--- a/topic10/talk-1/mongoDB-2020.pptx
+++ b/topic10/talk-1/mongoDB-2020.pptx
@@ -5,7 +5,7 @@
     <p:sldMasterId id="2147483648" r:id="rId1"/>
   </p:sldMasterIdLst>
   <p:notesMasterIdLst>
-    <p:notesMasterId r:id="rId27"/>
+    <p:notesMasterId r:id="rId26"/>
   </p:notesMasterIdLst>
   <p:sldIdLst>
     <p:sldId id="256" r:id="rId2"/>
@@ -18,21 +18,20 @@
     <p:sldId id="273" r:id="rId9"/>
     <p:sldId id="274" r:id="rId10"/>
     <p:sldId id="316" r:id="rId11"/>
-    <p:sldId id="289" r:id="rId12"/>
-    <p:sldId id="313" r:id="rId13"/>
-    <p:sldId id="293" r:id="rId14"/>
-    <p:sldId id="292" r:id="rId15"/>
-    <p:sldId id="314" r:id="rId16"/>
-    <p:sldId id="294" r:id="rId17"/>
-    <p:sldId id="295" r:id="rId18"/>
-    <p:sldId id="326" r:id="rId19"/>
-    <p:sldId id="296" r:id="rId20"/>
-    <p:sldId id="297" r:id="rId21"/>
-    <p:sldId id="299" r:id="rId22"/>
-    <p:sldId id="334" r:id="rId23"/>
-    <p:sldId id="329" r:id="rId24"/>
-    <p:sldId id="330" r:id="rId25"/>
-    <p:sldId id="304" r:id="rId26"/>
+    <p:sldId id="335" r:id="rId12"/>
+    <p:sldId id="293" r:id="rId13"/>
+    <p:sldId id="292" r:id="rId14"/>
+    <p:sldId id="314" r:id="rId15"/>
+    <p:sldId id="294" r:id="rId16"/>
+    <p:sldId id="295" r:id="rId17"/>
+    <p:sldId id="326" r:id="rId18"/>
+    <p:sldId id="296" r:id="rId19"/>
+    <p:sldId id="297" r:id="rId20"/>
+    <p:sldId id="299" r:id="rId21"/>
+    <p:sldId id="334" r:id="rId22"/>
+    <p:sldId id="329" r:id="rId23"/>
+    <p:sldId id="330" r:id="rId24"/>
+    <p:sldId id="304" r:id="rId25"/>
   </p:sldIdLst>
   <p:sldSz cx="12192000" cy="6858000"/>
   <p:notesSz cx="6858000" cy="9144000"/>
@@ -340,7 +339,7 @@
           <a:p>
             <a:fld id="{E753CC8B-2C22-4294-82AF-E18635F6C8A8}" type="datetimeFigureOut">
               <a:rPr lang="en-US" smtClean="0"/>
-              <a:t>3/29/2022</a:t>
+              <a:t>3/28/2023</a:t>
             </a:fld>
             <a:endParaRPr lang="en-US"/>
           </a:p>
@@ -1192,76 +1191,123 @@
           <a:bodyPr/>
           <a:lstStyle/>
           <a:p>
-            <a:r>
-              <a:rPr lang="en-GB" b="0" i="0" dirty="0">
+            <a:pPr algn="l"/>
+            <a:r>
+              <a:rPr lang="en-GB" sz="1800" b="0" i="0" dirty="0">
                 <a:solidFill>
-                  <a:srgbClr val="000000"/>
+                  <a:srgbClr val="374151"/>
                 </a:solidFill>
                 <a:effectLst/>
-                <a:latin typeface="Open Sans"/>
+                <a:latin typeface="Söhne"/>
               </a:rPr>
-              <a:t>The first argument is the </a:t>
-            </a:r>
-            <a:r>
-              <a:rPr lang="en-GB" b="0" i="1" dirty="0">
+              <a:t>The primary benefits of Docker Compose include:</a:t>
+            </a:r>
+          </a:p>
+          <a:p>
+            <a:pPr algn="l">
+              <a:buFont typeface="+mj-lt"/>
+              <a:buAutoNum type="arabicPeriod"/>
+            </a:pPr>
+            <a:r>
+              <a:rPr lang="en-GB" sz="1800" b="0" i="0" dirty="0">
                 <a:solidFill>
-                  <a:srgbClr val="000000"/>
+                  <a:srgbClr val="374151"/>
                 </a:solidFill>
                 <a:effectLst/>
-                <a:latin typeface="Open Sans"/>
+                <a:latin typeface="Söhne"/>
               </a:rPr>
-              <a:t>singular</a:t>
-            </a:r>
-            <a:r>
-              <a:rPr lang="en-GB" b="0" i="0" dirty="0">
+              <a:t>Simplified configuration: Docker Compose allows you to define your entire application stack, including all services and their configurations, in a single, human-readable file.</a:t>
+            </a:r>
+          </a:p>
+          <a:p>
+            <a:pPr algn="l">
+              <a:buFont typeface="+mj-lt"/>
+              <a:buAutoNum type="arabicPeriod"/>
+            </a:pPr>
+            <a:r>
+              <a:rPr lang="en-GB" sz="1800" b="0" i="0" dirty="0">
                 <a:solidFill>
-                  <a:srgbClr val="000000"/>
+                  <a:srgbClr val="374151"/>
                 </a:solidFill>
                 <a:effectLst/>
-                <a:latin typeface="Open Sans"/>
+                <a:latin typeface="Söhne"/>
               </a:rPr>
-              <a:t> name of the collection your model is for. </a:t>
-            </a:r>
-            <a:r>
-              <a:rPr lang="en-GB" b="1" i="0" dirty="0">
+              <a:t>Easy management: With a single command, you can create, start, stop, and rebuild all the services defined in your docker-</a:t>
+            </a:r>
+            <a:r>
+              <a:rPr lang="en-GB" sz="1800" b="0" i="0" dirty="0" err="1">
                 <a:solidFill>
-                  <a:srgbClr val="000000"/>
+                  <a:srgbClr val="374151"/>
                 </a:solidFill>
                 <a:effectLst/>
-                <a:latin typeface="Open Sans"/>
+                <a:latin typeface="Söhne"/>
               </a:rPr>
-              <a:t>Mongoose automatically looks for the plural, lowercased version of your model name.</a:t>
-            </a:r>
-            <a:r>
-              <a:rPr lang="en-GB" b="0" i="0" dirty="0">
+              <a:t>compose.yml</a:t>
+            </a:r>
+            <a:r>
+              <a:rPr lang="en-GB" sz="1800" b="0" i="0" dirty="0">
                 <a:solidFill>
-                  <a:srgbClr val="000000"/>
+                  <a:srgbClr val="374151"/>
                 </a:solidFill>
                 <a:effectLst/>
-                <a:latin typeface="Open Sans"/>
+                <a:latin typeface="Söhne"/>
               </a:rPr>
-              <a:t> Thus, for the example above, the model User is for the </a:t>
-            </a:r>
-            <a:r>
-              <a:rPr lang="en-GB" b="1" i="0" dirty="0">
+              <a:t> file.</a:t>
+            </a:r>
+          </a:p>
+          <a:p>
+            <a:pPr algn="l">
+              <a:buFont typeface="+mj-lt"/>
+              <a:buAutoNum type="arabicPeriod"/>
+            </a:pPr>
+            <a:r>
+              <a:rPr lang="en-GB" sz="1800" b="0" i="0" dirty="0">
                 <a:solidFill>
-                  <a:srgbClr val="000000"/>
+                  <a:srgbClr val="374151"/>
                 </a:solidFill>
                 <a:effectLst/>
-                <a:latin typeface="Open Sans"/>
+                <a:latin typeface="Söhne"/>
               </a:rPr>
-              <a:t>users</a:t>
-            </a:r>
-            <a:r>
-              <a:rPr lang="en-GB" b="0" i="0" dirty="0">
+              <a:t>Reproducibility: The docker-</a:t>
+            </a:r>
+            <a:r>
+              <a:rPr lang="en-GB" sz="1800" b="0" i="0" dirty="0" err="1">
                 <a:solidFill>
-                  <a:srgbClr val="000000"/>
+                  <a:srgbClr val="374151"/>
                 </a:solidFill>
                 <a:effectLst/>
-                <a:latin typeface="Open Sans"/>
+                <a:latin typeface="Söhne"/>
               </a:rPr>
-              <a:t> collection in the database.</a:t>
-            </a:r>
+              <a:t>compose.yml</a:t>
+            </a:r>
+            <a:r>
+              <a:rPr lang="en-GB" sz="1800" b="0" i="0" dirty="0">
+                <a:solidFill>
+                  <a:srgbClr val="374151"/>
+                </a:solidFill>
+                <a:effectLst/>
+                <a:latin typeface="Söhne"/>
+              </a:rPr>
+              <a:t> file ensures that your application stack is consistent across different environments, making it easier to share and collaborate with others.</a:t>
+            </a:r>
+          </a:p>
+          <a:p>
+            <a:pPr algn="l">
+              <a:buFont typeface="+mj-lt"/>
+              <a:buAutoNum type="arabicPeriod"/>
+            </a:pPr>
+            <a:r>
+              <a:rPr lang="en-GB" sz="1800" b="0" i="0" dirty="0">
+                <a:solidFill>
+                  <a:srgbClr val="374151"/>
+                </a:solidFill>
+                <a:effectLst/>
+                <a:latin typeface="Söhne"/>
+              </a:rPr>
+              <a:t>Isolation: Docker Compose enables you to isolate services in separate containers, reducing the risk of conflicts and ensuring a consistent environment for each component</a:t>
+            </a:r>
+          </a:p>
+          <a:p>
             <a:endParaRPr lang="en-IE" dirty="0"/>
           </a:p>
         </p:txBody>
@@ -1283,7 +1329,7 @@
           <a:p>
             <a:fld id="{F41A18DF-4A92-427C-AD9F-04E22FE0E9C0}" type="slidenum">
               <a:rPr lang="en-US" smtClean="0"/>
-              <a:t>17</a:t>
+              <a:t>11</a:t>
             </a:fld>
             <a:endParaRPr lang="en-US"/>
           </a:p>
@@ -1292,7 +1338,7 @@
     </p:spTree>
     <p:extLst>
       <p:ext uri="{BB962C8B-B14F-4D97-AF65-F5344CB8AC3E}">
-        <p14:creationId xmlns:p14="http://schemas.microsoft.com/office/powerpoint/2010/main" val="427153702"/>
+        <p14:creationId xmlns:p14="http://schemas.microsoft.com/office/powerpoint/2010/main" val="3982818504"/>
       </p:ext>
     </p:extLst>
   </p:cSld>
@@ -1346,6 +1392,76 @@
           <a:bodyPr/>
           <a:lstStyle/>
           <a:p>
+            <a:r>
+              <a:rPr lang="en-GB" b="0" i="0" dirty="0">
+                <a:solidFill>
+                  <a:srgbClr val="000000"/>
+                </a:solidFill>
+                <a:effectLst/>
+                <a:latin typeface="Open Sans"/>
+              </a:rPr>
+              <a:t>The first argument is the </a:t>
+            </a:r>
+            <a:r>
+              <a:rPr lang="en-GB" b="0" i="1" dirty="0">
+                <a:solidFill>
+                  <a:srgbClr val="000000"/>
+                </a:solidFill>
+                <a:effectLst/>
+                <a:latin typeface="Open Sans"/>
+              </a:rPr>
+              <a:t>singular</a:t>
+            </a:r>
+            <a:r>
+              <a:rPr lang="en-GB" b="0" i="0" dirty="0">
+                <a:solidFill>
+                  <a:srgbClr val="000000"/>
+                </a:solidFill>
+                <a:effectLst/>
+                <a:latin typeface="Open Sans"/>
+              </a:rPr>
+              <a:t> name of the collection your model is for. </a:t>
+            </a:r>
+            <a:r>
+              <a:rPr lang="en-GB" b="1" i="0" dirty="0">
+                <a:solidFill>
+                  <a:srgbClr val="000000"/>
+                </a:solidFill>
+                <a:effectLst/>
+                <a:latin typeface="Open Sans"/>
+              </a:rPr>
+              <a:t>Mongoose automatically looks for the plural, lowercased version of your model name.</a:t>
+            </a:r>
+            <a:r>
+              <a:rPr lang="en-GB" b="0" i="0" dirty="0">
+                <a:solidFill>
+                  <a:srgbClr val="000000"/>
+                </a:solidFill>
+                <a:effectLst/>
+                <a:latin typeface="Open Sans"/>
+              </a:rPr>
+              <a:t> Thus, for the example above, the model User is for the </a:t>
+            </a:r>
+            <a:r>
+              <a:rPr lang="en-GB" b="1" i="0" dirty="0">
+                <a:solidFill>
+                  <a:srgbClr val="000000"/>
+                </a:solidFill>
+                <a:effectLst/>
+                <a:latin typeface="Open Sans"/>
+              </a:rPr>
+              <a:t>users</a:t>
+            </a:r>
+            <a:r>
+              <a:rPr lang="en-GB" b="0" i="0" dirty="0">
+                <a:solidFill>
+                  <a:srgbClr val="000000"/>
+                </a:solidFill>
+                <a:effectLst/>
+                <a:latin typeface="Open Sans"/>
+              </a:rPr>
+              <a:t> collection in the database.</a:t>
+            </a:r>
             <a:endParaRPr lang="en-IE" dirty="0"/>
           </a:p>
         </p:txBody>
@@ -1367,7 +1483,91 @@
           <a:p>
             <a:fld id="{F41A18DF-4A92-427C-AD9F-04E22FE0E9C0}" type="slidenum">
               <a:rPr lang="en-US" smtClean="0"/>
-              <a:t>20</a:t>
+              <a:t>16</a:t>
+            </a:fld>
+            <a:endParaRPr lang="en-US"/>
+          </a:p>
+        </p:txBody>
+      </p:sp>
+    </p:spTree>
+    <p:extLst>
+      <p:ext uri="{BB962C8B-B14F-4D97-AF65-F5344CB8AC3E}">
+        <p14:creationId xmlns:p14="http://schemas.microsoft.com/office/powerpoint/2010/main" val="427153702"/>
+      </p:ext>
+    </p:extLst>
+  </p:cSld>
+  <p:clrMapOvr>
+    <a:masterClrMapping/>
+  </p:clrMapOvr>
+</p:notes>
+</file>
+
+<file path=ppt/notesSlides/notesSlide8.xml><?xml version="1.0" encoding="utf-8"?>
+<p:notes xmlns:a="http://schemas.openxmlformats.org/drawingml/2006/main" xmlns:r="http://schemas.openxmlformats.org/officeDocument/2006/relationships" xmlns:p="http://schemas.openxmlformats.org/presentationml/2006/main">
+  <p:cSld>
+    <p:spTree>
+      <p:nvGrpSpPr>
+        <p:cNvPr id="1" name=""/>
+        <p:cNvGrpSpPr/>
+        <p:nvPr/>
+      </p:nvGrpSpPr>
+      <p:grpSpPr>
+        <a:xfrm>
+          <a:off x="0" y="0"/>
+          <a:ext cx="0" cy="0"/>
+          <a:chOff x="0" y="0"/>
+          <a:chExt cx="0" cy="0"/>
+        </a:xfrm>
+      </p:grpSpPr>
+      <p:sp>
+        <p:nvSpPr>
+          <p:cNvPr id="2" name="Slide Image Placeholder 1"/>
+          <p:cNvSpPr>
+            <a:spLocks noGrp="1" noRot="1" noChangeAspect="1"/>
+          </p:cNvSpPr>
+          <p:nvPr>
+            <p:ph type="sldImg"/>
+          </p:nvPr>
+        </p:nvSpPr>
+        <p:spPr/>
+      </p:sp>
+      <p:sp>
+        <p:nvSpPr>
+          <p:cNvPr id="3" name="Notes Placeholder 2"/>
+          <p:cNvSpPr>
+            <a:spLocks noGrp="1"/>
+          </p:cNvSpPr>
+          <p:nvPr>
+            <p:ph type="body" idx="1"/>
+          </p:nvPr>
+        </p:nvSpPr>
+        <p:spPr/>
+        <p:txBody>
+          <a:bodyPr/>
+          <a:lstStyle/>
+          <a:p>
+            <a:endParaRPr lang="en-IE" dirty="0"/>
+          </a:p>
+        </p:txBody>
+      </p:sp>
+      <p:sp>
+        <p:nvSpPr>
+          <p:cNvPr id="4" name="Slide Number Placeholder 3"/>
+          <p:cNvSpPr>
+            <a:spLocks noGrp="1"/>
+          </p:cNvSpPr>
+          <p:nvPr>
+            <p:ph type="sldNum" sz="quarter" idx="5"/>
+          </p:nvPr>
+        </p:nvSpPr>
+        <p:spPr/>
+        <p:txBody>
+          <a:bodyPr/>
+          <a:lstStyle/>
+          <a:p>
+            <a:fld id="{F41A18DF-4A92-427C-AD9F-04E22FE0E9C0}" type="slidenum">
+              <a:rPr lang="en-US" smtClean="0"/>
+              <a:t>19</a:t>
             </a:fld>
             <a:endParaRPr lang="en-US"/>
           </a:p>
@@ -1565,7 +1765,7 @@
           <a:p>
             <a:fld id="{B9A3E4E1-EAAE-4738-8551-BAE8BA49A08B}" type="datetimeFigureOut">
               <a:rPr lang="en-US" smtClean="0"/>
-              <a:t>3/29/2022</a:t>
+              <a:t>3/28/2023</a:t>
             </a:fld>
             <a:endParaRPr lang="en-US"/>
           </a:p>
@@ -1733,7 +1933,7 @@
           <a:p>
             <a:fld id="{B9A3E4E1-EAAE-4738-8551-BAE8BA49A08B}" type="datetimeFigureOut">
               <a:rPr lang="en-US" smtClean="0"/>
-              <a:t>3/29/2022</a:t>
+              <a:t>3/28/2023</a:t>
             </a:fld>
             <a:endParaRPr lang="en-US"/>
           </a:p>
@@ -1911,7 +2111,7 @@
           <a:p>
             <a:fld id="{B9A3E4E1-EAAE-4738-8551-BAE8BA49A08B}" type="datetimeFigureOut">
               <a:rPr lang="en-US" smtClean="0"/>
-              <a:t>3/29/2022</a:t>
+              <a:t>3/28/2023</a:t>
             </a:fld>
             <a:endParaRPr lang="en-US"/>
           </a:p>
@@ -2079,7 +2279,7 @@
           <a:p>
             <a:fld id="{B9A3E4E1-EAAE-4738-8551-BAE8BA49A08B}" type="datetimeFigureOut">
               <a:rPr lang="en-US" smtClean="0"/>
-              <a:t>3/29/2022</a:t>
+              <a:t>3/28/2023</a:t>
             </a:fld>
             <a:endParaRPr lang="en-US"/>
           </a:p>
@@ -2324,7 +2524,7 @@
           <a:p>
             <a:fld id="{B9A3E4E1-EAAE-4738-8551-BAE8BA49A08B}" type="datetimeFigureOut">
               <a:rPr lang="en-US" smtClean="0"/>
-              <a:t>3/29/2022</a:t>
+              <a:t>3/28/2023</a:t>
             </a:fld>
             <a:endParaRPr lang="en-US"/>
           </a:p>
@@ -2609,7 +2809,7 @@
           <a:p>
             <a:fld id="{B9A3E4E1-EAAE-4738-8551-BAE8BA49A08B}" type="datetimeFigureOut">
               <a:rPr lang="en-US" smtClean="0"/>
-              <a:t>3/29/2022</a:t>
+              <a:t>3/28/2023</a:t>
             </a:fld>
             <a:endParaRPr lang="en-US"/>
           </a:p>
@@ -3028,7 +3228,7 @@
           <a:p>
             <a:fld id="{B9A3E4E1-EAAE-4738-8551-BAE8BA49A08B}" type="datetimeFigureOut">
               <a:rPr lang="en-US" smtClean="0"/>
-              <a:t>3/29/2022</a:t>
+              <a:t>3/28/2023</a:t>
             </a:fld>
             <a:endParaRPr lang="en-US"/>
           </a:p>
@@ -3145,7 +3345,7 @@
           <a:p>
             <a:fld id="{B9A3E4E1-EAAE-4738-8551-BAE8BA49A08B}" type="datetimeFigureOut">
               <a:rPr lang="en-US" smtClean="0"/>
-              <a:t>3/29/2022</a:t>
+              <a:t>3/28/2023</a:t>
             </a:fld>
             <a:endParaRPr lang="en-US"/>
           </a:p>
@@ -3240,7 +3440,7 @@
           <a:p>
             <a:fld id="{B9A3E4E1-EAAE-4738-8551-BAE8BA49A08B}" type="datetimeFigureOut">
               <a:rPr lang="en-US" smtClean="0"/>
-              <a:t>3/29/2022</a:t>
+              <a:t>3/28/2023</a:t>
             </a:fld>
             <a:endParaRPr lang="en-US"/>
           </a:p>
@@ -3515,7 +3715,7 @@
           <a:p>
             <a:fld id="{B9A3E4E1-EAAE-4738-8551-BAE8BA49A08B}" type="datetimeFigureOut">
               <a:rPr lang="en-US" smtClean="0"/>
-              <a:t>3/29/2022</a:t>
+              <a:t>3/28/2023</a:t>
             </a:fld>
             <a:endParaRPr lang="en-US"/>
           </a:p>
@@ -3767,7 +3967,7 @@
           <a:p>
             <a:fld id="{B9A3E4E1-EAAE-4738-8551-BAE8BA49A08B}" type="datetimeFigureOut">
               <a:rPr lang="en-US" smtClean="0"/>
-              <a:t>3/29/2022</a:t>
+              <a:t>3/28/2023</a:t>
             </a:fld>
             <a:endParaRPr lang="en-US"/>
           </a:p>
@@ -3978,7 +4178,7 @@
           <a:p>
             <a:fld id="{B9A3E4E1-EAAE-4738-8551-BAE8BA49A08B}" type="datetimeFigureOut">
               <a:rPr lang="en-US" smtClean="0"/>
-              <a:t>3/29/2022</a:t>
+              <a:t>3/28/2023</a:t>
             </a:fld>
             <a:endParaRPr lang="en-US"/>
           </a:p>
@@ -4990,108 +5190,12 @@
           <a:chExt cx="0" cy="0"/>
         </a:xfrm>
       </p:grpSpPr>
-      <p:sp>
-        <p:nvSpPr>
-          <p:cNvPr id="2" name="Title 1"/>
-          <p:cNvSpPr>
-            <a:spLocks noGrp="1"/>
-          </p:cNvSpPr>
-          <p:nvPr>
-            <p:ph type="title"/>
-          </p:nvPr>
-        </p:nvSpPr>
-        <p:spPr/>
-        <p:txBody>
-          <a:bodyPr/>
-          <a:lstStyle/>
-          <a:p>
-            <a:r>
-              <a:rPr lang="en-IE"/>
-              <a:t>Getting Started (locally)</a:t>
-            </a:r>
-          </a:p>
-        </p:txBody>
-      </p:sp>
-      <p:sp>
-        <p:nvSpPr>
-          <p:cNvPr id="3" name="Content Placeholder 2"/>
-          <p:cNvSpPr>
-            <a:spLocks noGrp="1"/>
-          </p:cNvSpPr>
-          <p:nvPr>
-            <p:ph idx="1"/>
-          </p:nvPr>
-        </p:nvSpPr>
-        <p:spPr>
-          <a:xfrm>
-            <a:off x="609599" y="1600202"/>
-            <a:ext cx="5066757" cy="1610589"/>
-          </a:xfrm>
-        </p:spPr>
-        <p:txBody>
-          <a:bodyPr>
-            <a:normAutofit fontScale="85000" lnSpcReduction="20000"/>
-          </a:bodyPr>
-          <a:lstStyle/>
-          <a:p>
-            <a:r>
-              <a:rPr lang="en-IE" dirty="0"/>
-              <a:t>Install Mongo community edition for your OS:</a:t>
-            </a:r>
-          </a:p>
-          <a:p>
-            <a:pPr marL="0" indent="0">
-              <a:buNone/>
-            </a:pPr>
-            <a:br>
-              <a:rPr lang="en-IE" dirty="0"/>
-            </a:br>
-            <a:endParaRPr lang="en-IE" dirty="0"/>
-          </a:p>
-          <a:p>
-            <a:pPr marL="0" indent="0">
-              <a:buNone/>
-            </a:pPr>
-            <a:endParaRPr lang="en-IE" dirty="0"/>
-          </a:p>
-          <a:p>
-            <a:pPr marL="0" indent="0">
-              <a:buNone/>
-            </a:pPr>
-            <a:endParaRPr lang="en-IE" dirty="0"/>
-          </a:p>
-          <a:p>
-            <a:pPr marL="0" indent="0">
-              <a:buNone/>
-            </a:pPr>
-            <a:endParaRPr lang="en-IE" dirty="0"/>
-          </a:p>
-          <a:p>
-            <a:pPr marL="0" indent="0">
-              <a:buNone/>
-            </a:pPr>
-            <a:endParaRPr lang="en-IE" dirty="0"/>
-          </a:p>
-          <a:p>
-            <a:pPr marL="0" indent="0">
-              <a:buNone/>
-            </a:pPr>
-            <a:endParaRPr lang="en-IE" dirty="0"/>
-          </a:p>
-          <a:p>
-            <a:pPr marL="0" indent="0">
-              <a:buNone/>
-            </a:pPr>
-            <a:endParaRPr lang="en-IE" dirty="0"/>
-          </a:p>
-        </p:txBody>
-      </p:sp>
       <p:pic>
         <p:nvPicPr>
-          <p:cNvPr id="4" name="Picture 3">
+          <p:cNvPr id="7" name="Picture 6" descr="A picture containing text, clipart&#10;&#10;Description automatically generated">
             <a:extLst>
               <a:ext uri="{FF2B5EF4-FFF2-40B4-BE49-F238E27FC236}">
-                <a16:creationId xmlns:a16="http://schemas.microsoft.com/office/drawing/2014/main" id="{35E703B7-E350-4108-9BFC-0CF742E6C256}"/>
+                <a16:creationId xmlns:a16="http://schemas.microsoft.com/office/drawing/2014/main" id="{4EB9B24C-52AE-659C-117F-030D4208417F}"/>
               </a:ext>
             </a:extLst>
           </p:cNvPr>
@@ -5101,91 +5205,374 @@
           <p:nvPr/>
         </p:nvPicPr>
         <p:blipFill>
-          <a:blip r:embed="rId2"/>
+          <a:blip r:embed="rId3" cstate="print">
+            <a:extLst>
+              <a:ext uri="{28A0092B-C50C-407E-A947-70E740481C1C}">
+                <a14:useLocalDpi xmlns:a14="http://schemas.microsoft.com/office/drawing/2010/main" val="0"/>
+              </a:ext>
+              <a:ext uri="{837473B0-CC2E-450A-ABE3-18F120FF3D39}">
+                <a1611:picAttrSrcUrl xmlns:a1611="http://schemas.microsoft.com/office/drawing/2016/11/main" r:id="rId4"/>
+              </a:ext>
+            </a:extLst>
+          </a:blip>
           <a:stretch>
             <a:fillRect/>
           </a:stretch>
         </p:blipFill>
         <p:spPr>
           <a:xfrm>
-            <a:off x="5676357" y="1600201"/>
-            <a:ext cx="6425588" cy="2812164"/>
-          </a:xfrm>
-          <a:prstGeom prst="rect">
-            <a:avLst/>
-          </a:prstGeom>
-          <a:ln>
-            <a:solidFill>
-              <a:schemeClr val="accent1"/>
-            </a:solidFill>
-          </a:ln>
-        </p:spPr>
-      </p:pic>
-      <p:pic>
-        <p:nvPicPr>
-          <p:cNvPr id="5" name="Picture 4">
-            <a:extLst>
-              <a:ext uri="{FF2B5EF4-FFF2-40B4-BE49-F238E27FC236}">
-                <a16:creationId xmlns:a16="http://schemas.microsoft.com/office/drawing/2014/main" id="{952306BC-85E3-4AED-9CB2-825A9BC7330D}"/>
-              </a:ext>
-            </a:extLst>
-          </p:cNvPr>
-          <p:cNvPicPr>
-            <a:picLocks noChangeAspect="1"/>
-          </p:cNvPicPr>
-          <p:nvPr/>
-        </p:nvPicPr>
-        <p:blipFill rotWithShape="1">
-          <a:blip r:embed="rId3"/>
-          <a:srcRect r="-33348"/>
-          <a:stretch/>
-        </p:blipFill>
-        <p:spPr>
-          <a:xfrm>
-            <a:off x="740352" y="5159054"/>
-            <a:ext cx="7936057" cy="842469"/>
+            <a:off x="7410900" y="996463"/>
+            <a:ext cx="5064822" cy="2432537"/>
           </a:xfrm>
           <a:prstGeom prst="rect">
             <a:avLst/>
           </a:prstGeom>
         </p:spPr>
       </p:pic>
-      <p:pic>
-        <p:nvPicPr>
-          <p:cNvPr id="6" name="Picture 5">
+      <p:sp>
+        <p:nvSpPr>
+          <p:cNvPr id="2" name="Title 1">
             <a:extLst>
               <a:ext uri="{FF2B5EF4-FFF2-40B4-BE49-F238E27FC236}">
-                <a16:creationId xmlns:a16="http://schemas.microsoft.com/office/drawing/2014/main" id="{9644FEC0-56E7-4957-866D-CEB315741A46}"/>
+                <a16:creationId xmlns:a16="http://schemas.microsoft.com/office/drawing/2014/main" id="{62A62AE2-7042-63D4-61F1-DFC4EF2D3A07}"/>
               </a:ext>
             </a:extLst>
           </p:cNvPr>
-          <p:cNvPicPr>
-            <a:picLocks noChangeAspect="1"/>
-          </p:cNvPicPr>
-          <p:nvPr/>
-        </p:nvPicPr>
-        <p:blipFill>
-          <a:blip r:embed="rId4"/>
-          <a:stretch>
-            <a:fillRect/>
-          </a:stretch>
-        </p:blipFill>
+          <p:cNvSpPr>
+            <a:spLocks noGrp="1"/>
+          </p:cNvSpPr>
+          <p:nvPr>
+            <p:ph type="title"/>
+          </p:nvPr>
+        </p:nvSpPr>
+        <p:spPr/>
+        <p:txBody>
+          <a:bodyPr/>
+          <a:lstStyle/>
+          <a:p>
+            <a:r>
+              <a:rPr lang="en-IE" dirty="0"/>
+              <a:t>Getting Mongo and using Docker Compose</a:t>
+            </a:r>
+          </a:p>
+        </p:txBody>
+      </p:sp>
+      <p:sp>
+        <p:nvSpPr>
+          <p:cNvPr id="3" name="Content Placeholder 2">
+            <a:extLst>
+              <a:ext uri="{FF2B5EF4-FFF2-40B4-BE49-F238E27FC236}">
+                <a16:creationId xmlns:a16="http://schemas.microsoft.com/office/drawing/2014/main" id="{80E3CAE3-4F1C-09DB-765C-D4B0A230ABFA}"/>
+              </a:ext>
+            </a:extLst>
+          </p:cNvPr>
+          <p:cNvSpPr>
+            <a:spLocks noGrp="1"/>
+          </p:cNvSpPr>
+          <p:nvPr>
+            <p:ph idx="1"/>
+          </p:nvPr>
+        </p:nvSpPr>
         <p:spPr>
           <a:xfrm>
-            <a:off x="740352" y="5985214"/>
-            <a:ext cx="5951393" cy="828461"/>
+            <a:off x="609600" y="1600201"/>
+            <a:ext cx="8088923" cy="4525963"/>
+          </a:xfrm>
+        </p:spPr>
+        <p:txBody>
+          <a:bodyPr>
+            <a:normAutofit fontScale="92500" lnSpcReduction="20000"/>
+          </a:bodyPr>
+          <a:lstStyle/>
+          <a:p>
+            <a:r>
+              <a:rPr lang="en-IE" dirty="0"/>
+              <a:t>Incorporate it into your existing </a:t>
+            </a:r>
+            <a:r>
+              <a:rPr lang="en-IE" dirty="0" err="1"/>
+              <a:t>DevContainer</a:t>
+            </a:r>
+            <a:r>
+              <a:rPr lang="en-IE" dirty="0"/>
+              <a:t> configuration using Docker Compose</a:t>
+            </a:r>
+          </a:p>
+          <a:p>
+            <a:r>
+              <a:rPr lang="en-GB" dirty="0"/>
+              <a:t>Using Docker Compose, you can define </a:t>
+            </a:r>
+            <a:br>
+              <a:rPr lang="en-GB" dirty="0"/>
+            </a:br>
+            <a:r>
+              <a:rPr lang="en-GB" dirty="0"/>
+              <a:t>and run multi-container Docker applications.</a:t>
+            </a:r>
+          </a:p>
+          <a:p>
+            <a:pPr lvl="1"/>
+            <a:r>
+              <a:rPr lang="en-GB" dirty="0"/>
+              <a:t>One container for the API App.</a:t>
+            </a:r>
+          </a:p>
+          <a:p>
+            <a:pPr lvl="1"/>
+            <a:r>
+              <a:rPr lang="en-GB" dirty="0"/>
+              <a:t>One container for the Database (Mongo in this case)</a:t>
+            </a:r>
+          </a:p>
+          <a:p>
+            <a:r>
+              <a:rPr lang="en-GB" dirty="0"/>
+              <a:t>A YAML file named docker-</a:t>
+            </a:r>
+            <a:r>
+              <a:rPr lang="en-GB" dirty="0" err="1"/>
+              <a:t>compose.yml</a:t>
+            </a:r>
+            <a:r>
+              <a:rPr lang="en-GB" dirty="0"/>
+              <a:t> is used to define the application's services, networks, and volumes. </a:t>
+            </a:r>
+          </a:p>
+          <a:p>
+            <a:pPr lvl="1"/>
+            <a:r>
+              <a:rPr lang="en-GB" dirty="0"/>
+              <a:t>Used, environment variables, exposed ports, and other configuration options.</a:t>
+            </a:r>
+          </a:p>
+          <a:p>
+            <a:endParaRPr lang="en-IE" dirty="0"/>
+          </a:p>
+        </p:txBody>
+      </p:sp>
+      <p:sp>
+        <p:nvSpPr>
+          <p:cNvPr id="4" name="Rectangle 1">
+            <a:extLst>
+              <a:ext uri="{FF2B5EF4-FFF2-40B4-BE49-F238E27FC236}">
+                <a16:creationId xmlns:a16="http://schemas.microsoft.com/office/drawing/2014/main" id="{15F0662E-C0C0-F14D-3155-321EE59DFFF3}"/>
+              </a:ext>
+            </a:extLst>
+          </p:cNvPr>
+          <p:cNvSpPr>
+            <a:spLocks noChangeArrowheads="1"/>
+          </p:cNvSpPr>
+          <p:nvPr/>
+        </p:nvSpPr>
+        <p:spPr bwMode="auto">
+          <a:xfrm>
+            <a:off x="-609600" y="-129958"/>
+            <a:ext cx="184731" cy="369332"/>
           </a:xfrm>
           <a:prstGeom prst="rect">
             <a:avLst/>
           </a:prstGeom>
+          <a:solidFill>
+            <a:srgbClr val="F7F7F8"/>
+          </a:solidFill>
+          <a:ln>
+            <a:noFill/>
+          </a:ln>
+          <a:effectLst/>
+          <a:extLst>
+            <a:ext uri="{91240B29-F687-4F45-9708-019B960494DF}">
+              <a14:hiddenLine xmlns:a14="http://schemas.microsoft.com/office/drawing/2010/main" w="9525">
+                <a:solidFill>
+                  <a:schemeClr val="tx1"/>
+                </a:solidFill>
+                <a:miter lim="800000"/>
+                <a:headEnd/>
+                <a:tailEnd/>
+              </a14:hiddenLine>
+            </a:ext>
+            <a:ext uri="{AF507438-7753-43E0-B8FC-AC1667EBCBE1}">
+              <a14:hiddenEffects xmlns:a14="http://schemas.microsoft.com/office/drawing/2010/main">
+                <a:effectLst>
+                  <a:outerShdw dist="35921" dir="2700000" algn="ctr" rotWithShape="0">
+                    <a:schemeClr val="bg2"/>
+                  </a:outerShdw>
+                </a:effectLst>
+              </a14:hiddenEffects>
+            </a:ext>
+          </a:extLst>
         </p:spPr>
-      </p:pic>
+        <p:txBody>
+          <a:bodyPr vert="horz" wrap="none" lIns="91440" tIns="45720" rIns="91440" bIns="45720" numCol="1" anchor="ctr" anchorCtr="0" compatLnSpc="1">
+            <a:prstTxWarp prst="textNoShape">
+              <a:avLst/>
+            </a:prstTxWarp>
+            <a:spAutoFit/>
+          </a:bodyPr>
+          <a:lstStyle>
+            <a:lvl1pPr eaLnBrk="0" fontAlgn="base" hangingPunct="0">
+              <a:spcBef>
+                <a:spcPct val="0"/>
+              </a:spcBef>
+              <a:spcAft>
+                <a:spcPct val="0"/>
+              </a:spcAft>
+              <a:defRPr>
+                <a:solidFill>
+                  <a:schemeClr val="tx1"/>
+                </a:solidFill>
+                <a:latin typeface="Arial" panose="020B0604020202020204" pitchFamily="34" charset="0"/>
+              </a:defRPr>
+            </a:lvl1pPr>
+            <a:lvl2pPr eaLnBrk="0" fontAlgn="base" hangingPunct="0">
+              <a:spcBef>
+                <a:spcPct val="0"/>
+              </a:spcBef>
+              <a:spcAft>
+                <a:spcPct val="0"/>
+              </a:spcAft>
+              <a:defRPr>
+                <a:solidFill>
+                  <a:schemeClr val="tx1"/>
+                </a:solidFill>
+                <a:latin typeface="Arial" panose="020B0604020202020204" pitchFamily="34" charset="0"/>
+              </a:defRPr>
+            </a:lvl2pPr>
+            <a:lvl3pPr eaLnBrk="0" fontAlgn="base" hangingPunct="0">
+              <a:spcBef>
+                <a:spcPct val="0"/>
+              </a:spcBef>
+              <a:spcAft>
+                <a:spcPct val="0"/>
+              </a:spcAft>
+              <a:defRPr>
+                <a:solidFill>
+                  <a:schemeClr val="tx1"/>
+                </a:solidFill>
+                <a:latin typeface="Arial" panose="020B0604020202020204" pitchFamily="34" charset="0"/>
+              </a:defRPr>
+            </a:lvl3pPr>
+            <a:lvl4pPr eaLnBrk="0" fontAlgn="base" hangingPunct="0">
+              <a:spcBef>
+                <a:spcPct val="0"/>
+              </a:spcBef>
+              <a:spcAft>
+                <a:spcPct val="0"/>
+              </a:spcAft>
+              <a:defRPr>
+                <a:solidFill>
+                  <a:schemeClr val="tx1"/>
+                </a:solidFill>
+                <a:latin typeface="Arial" panose="020B0604020202020204" pitchFamily="34" charset="0"/>
+              </a:defRPr>
+            </a:lvl4pPr>
+            <a:lvl5pPr eaLnBrk="0" fontAlgn="base" hangingPunct="0">
+              <a:spcBef>
+                <a:spcPct val="0"/>
+              </a:spcBef>
+              <a:spcAft>
+                <a:spcPct val="0"/>
+              </a:spcAft>
+              <a:defRPr>
+                <a:solidFill>
+                  <a:schemeClr val="tx1"/>
+                </a:solidFill>
+                <a:latin typeface="Arial" panose="020B0604020202020204" pitchFamily="34" charset="0"/>
+              </a:defRPr>
+            </a:lvl5pPr>
+            <a:lvl6pPr eaLnBrk="0" fontAlgn="base" hangingPunct="0">
+              <a:spcBef>
+                <a:spcPct val="0"/>
+              </a:spcBef>
+              <a:spcAft>
+                <a:spcPct val="0"/>
+              </a:spcAft>
+              <a:defRPr>
+                <a:solidFill>
+                  <a:schemeClr val="tx1"/>
+                </a:solidFill>
+                <a:latin typeface="Arial" panose="020B0604020202020204" pitchFamily="34" charset="0"/>
+              </a:defRPr>
+            </a:lvl6pPr>
+            <a:lvl7pPr eaLnBrk="0" fontAlgn="base" hangingPunct="0">
+              <a:spcBef>
+                <a:spcPct val="0"/>
+              </a:spcBef>
+              <a:spcAft>
+                <a:spcPct val="0"/>
+              </a:spcAft>
+              <a:defRPr>
+                <a:solidFill>
+                  <a:schemeClr val="tx1"/>
+                </a:solidFill>
+                <a:latin typeface="Arial" panose="020B0604020202020204" pitchFamily="34" charset="0"/>
+              </a:defRPr>
+            </a:lvl7pPr>
+            <a:lvl8pPr eaLnBrk="0" fontAlgn="base" hangingPunct="0">
+              <a:spcBef>
+                <a:spcPct val="0"/>
+              </a:spcBef>
+              <a:spcAft>
+                <a:spcPct val="0"/>
+              </a:spcAft>
+              <a:defRPr>
+                <a:solidFill>
+                  <a:schemeClr val="tx1"/>
+                </a:solidFill>
+                <a:latin typeface="Arial" panose="020B0604020202020204" pitchFamily="34" charset="0"/>
+              </a:defRPr>
+            </a:lvl8pPr>
+            <a:lvl9pPr eaLnBrk="0" fontAlgn="base" hangingPunct="0">
+              <a:spcBef>
+                <a:spcPct val="0"/>
+              </a:spcBef>
+              <a:spcAft>
+                <a:spcPct val="0"/>
+              </a:spcAft>
+              <a:defRPr>
+                <a:solidFill>
+                  <a:schemeClr val="tx1"/>
+                </a:solidFill>
+                <a:latin typeface="Arial" panose="020B0604020202020204" pitchFamily="34" charset="0"/>
+              </a:defRPr>
+            </a:lvl9pPr>
+          </a:lstStyle>
+          <a:p>
+            <a:pPr marL="0" marR="0" lvl="0" indent="0" algn="l" defTabSz="914400" rtl="0" eaLnBrk="0" fontAlgn="base" latinLnBrk="0" hangingPunct="0">
+              <a:lnSpc>
+                <a:spcPct val="100000"/>
+              </a:lnSpc>
+              <a:spcBef>
+                <a:spcPct val="0"/>
+              </a:spcBef>
+              <a:spcAft>
+                <a:spcPct val="0"/>
+              </a:spcAft>
+              <a:buClrTx/>
+              <a:buSzTx/>
+              <a:buFontTx/>
+              <a:buNone/>
+              <a:tabLst/>
+            </a:pPr>
+            <a:endParaRPr kumimoji="0" lang="en-US" altLang="en-US" sz="1800" b="0" i="0" u="none" strike="noStrike" cap="none" normalizeH="0" baseline="0" dirty="0">
+              <a:ln>
+                <a:noFill/>
+              </a:ln>
+              <a:solidFill>
+                <a:schemeClr val="tx1"/>
+              </a:solidFill>
+              <a:effectLst/>
+              <a:latin typeface="Arial" panose="020B0604020202020204" pitchFamily="34" charset="0"/>
+            </a:endParaRPr>
+          </a:p>
+        </p:txBody>
+      </p:sp>
       <p:sp>
         <p:nvSpPr>
           <p:cNvPr id="8" name="TextBox 7">
             <a:extLst>
               <a:ext uri="{FF2B5EF4-FFF2-40B4-BE49-F238E27FC236}">
-                <a16:creationId xmlns:a16="http://schemas.microsoft.com/office/drawing/2014/main" id="{339D752E-004A-4026-AE54-F90D09CA46FD}"/>
+                <a16:creationId xmlns:a16="http://schemas.microsoft.com/office/drawing/2014/main" id="{394CB956-3E56-184B-E623-E6CF5AE600C0}"/>
               </a:ext>
             </a:extLst>
           </p:cNvPr>
@@ -5194,8 +5581,8 @@
         </p:nvSpPr>
         <p:spPr>
           <a:xfrm>
-            <a:off x="609599" y="4695786"/>
-            <a:ext cx="10464420" cy="954107"/>
+            <a:off x="8081108" y="4483878"/>
+            <a:ext cx="4110892" cy="230832"/>
           </a:xfrm>
           <a:prstGeom prst="rect">
             <a:avLst/>
@@ -5208,502 +5595,30 @@
           </a:bodyPr>
           <a:lstStyle/>
           <a:p>
-            <a:pPr marL="457200" indent="-457200">
-              <a:buFont typeface="Arial" panose="020B0604020202020204" pitchFamily="34" charset="0"/>
-              <a:buChar char="•"/>
-            </a:pPr>
-            <a:r>
-              <a:rPr lang="en-IE" sz="2800" dirty="0"/>
-              <a:t>Specify a directory for your </a:t>
-            </a:r>
-            <a:r>
-              <a:rPr lang="en-IE" sz="2800" dirty="0" err="1"/>
-              <a:t>db</a:t>
-            </a:r>
-            <a:r>
-              <a:rPr lang="en-IE" sz="2800" dirty="0"/>
-              <a:t> files and start </a:t>
-            </a:r>
-            <a:r>
-              <a:rPr lang="en-IE" sz="2800" dirty="0" err="1"/>
-              <a:t>Mongodb</a:t>
-            </a:r>
-            <a:r>
-              <a:rPr lang="en-IE" sz="2800" dirty="0"/>
-              <a:t> server.</a:t>
-            </a:r>
-          </a:p>
-          <a:p>
-            <a:endParaRPr lang="en-IE" sz="2800" dirty="0"/>
+            <a:r>
+              <a:rPr lang="en-IE" sz="900">
+                <a:hlinkClick r:id="rId4" tooltip="https://hedzr.com/devops/docker/docker-compose-file-format-v3.8/"/>
+              </a:rPr>
+              <a:t>This Photo</a:t>
+            </a:r>
+            <a:r>
+              <a:rPr lang="en-IE" sz="900"/>
+              <a:t> by Unknown Author is licensed under </a:t>
+            </a:r>
+            <a:r>
+              <a:rPr lang="en-IE" sz="900">
+                <a:hlinkClick r:id="rId5" tooltip="https://creativecommons.org/licenses/by-nc-sa/3.0/"/>
+              </a:rPr>
+              <a:t>CC BY-SA-NC</a:t>
+            </a:r>
+            <a:endParaRPr lang="en-IE" sz="900"/>
           </a:p>
         </p:txBody>
       </p:sp>
     </p:spTree>
     <p:extLst>
       <p:ext uri="{BB962C8B-B14F-4D97-AF65-F5344CB8AC3E}">
-        <p14:creationId xmlns:p14="http://schemas.microsoft.com/office/powerpoint/2010/main" val="3398926158"/>
-      </p:ext>
-    </p:extLst>
-  </p:cSld>
-  <p:clrMapOvr>
-    <a:masterClrMapping/>
-  </p:clrMapOvr>
-  <p:timing>
-    <p:tnLst>
-      <p:par>
-        <p:cTn id="1" dur="indefinite" restart="never" nodeType="tmRoot">
-          <p:childTnLst>
-            <p:seq concurrent="1" nextAc="seek">
-              <p:cTn id="2" dur="indefinite" nodeType="mainSeq">
-                <p:childTnLst>
-                  <p:par>
-                    <p:cTn id="3" fill="hold">
-                      <p:stCondLst>
-                        <p:cond delay="indefinite"/>
-                      </p:stCondLst>
-                      <p:childTnLst>
-                        <p:par>
-                          <p:cTn id="4" fill="hold">
-                            <p:stCondLst>
-                              <p:cond delay="0"/>
-                            </p:stCondLst>
-                            <p:childTnLst>
-                              <p:par>
-                                <p:cTn id="5" presetID="10" presetClass="entr" presetSubtype="0" fill="hold" grpId="0" nodeType="clickEffect">
-                                  <p:stCondLst>
-                                    <p:cond delay="0"/>
-                                  </p:stCondLst>
-                                  <p:childTnLst>
-                                    <p:set>
-                                      <p:cBhvr>
-                                        <p:cTn id="6" dur="1" fill="hold">
-                                          <p:stCondLst>
-                                            <p:cond delay="0"/>
-                                          </p:stCondLst>
-                                        </p:cTn>
-                                        <p:tgtEl>
-                                          <p:spTgt spid="3">
-                                            <p:txEl>
-                                              <p:pRg st="0" end="0"/>
-                                            </p:txEl>
-                                          </p:spTgt>
-                                        </p:tgtEl>
-                                        <p:attrNameLst>
-                                          <p:attrName>style.visibility</p:attrName>
-                                        </p:attrNameLst>
-                                      </p:cBhvr>
-                                      <p:to>
-                                        <p:strVal val="visible"/>
-                                      </p:to>
-                                    </p:set>
-                                    <p:animEffect transition="in" filter="fade">
-                                      <p:cBhvr>
-                                        <p:cTn id="7" dur="500"/>
-                                        <p:tgtEl>
-                                          <p:spTgt spid="3">
-                                            <p:txEl>
-                                              <p:pRg st="0" end="0"/>
-                                            </p:txEl>
-                                          </p:spTgt>
-                                        </p:tgtEl>
-                                      </p:cBhvr>
-                                    </p:animEffect>
-                                  </p:childTnLst>
-                                </p:cTn>
-                              </p:par>
-                            </p:childTnLst>
-                          </p:cTn>
-                        </p:par>
-                      </p:childTnLst>
-                    </p:cTn>
-                  </p:par>
-                  <p:par>
-                    <p:cTn id="8" fill="hold">
-                      <p:stCondLst>
-                        <p:cond delay="indefinite"/>
-                      </p:stCondLst>
-                      <p:childTnLst>
-                        <p:par>
-                          <p:cTn id="9" fill="hold">
-                            <p:stCondLst>
-                              <p:cond delay="0"/>
-                            </p:stCondLst>
-                            <p:childTnLst>
-                              <p:par>
-                                <p:cTn id="10" presetID="10" presetClass="entr" presetSubtype="0" fill="hold" grpId="0" nodeType="clickEffect">
-                                  <p:stCondLst>
-                                    <p:cond delay="0"/>
-                                  </p:stCondLst>
-                                  <p:childTnLst>
-                                    <p:set>
-                                      <p:cBhvr>
-                                        <p:cTn id="11" dur="1" fill="hold">
-                                          <p:stCondLst>
-                                            <p:cond delay="0"/>
-                                          </p:stCondLst>
-                                        </p:cTn>
-                                        <p:tgtEl>
-                                          <p:spTgt spid="3">
-                                            <p:txEl>
-                                              <p:pRg st="1" end="1"/>
-                                            </p:txEl>
-                                          </p:spTgt>
-                                        </p:tgtEl>
-                                        <p:attrNameLst>
-                                          <p:attrName>style.visibility</p:attrName>
-                                        </p:attrNameLst>
-                                      </p:cBhvr>
-                                      <p:to>
-                                        <p:strVal val="visible"/>
-                                      </p:to>
-                                    </p:set>
-                                    <p:animEffect transition="in" filter="fade">
-                                      <p:cBhvr>
-                                        <p:cTn id="12" dur="500"/>
-                                        <p:tgtEl>
-                                          <p:spTgt spid="3">
-                                            <p:txEl>
-                                              <p:pRg st="1" end="1"/>
-                                            </p:txEl>
-                                          </p:spTgt>
-                                        </p:tgtEl>
-                                      </p:cBhvr>
-                                    </p:animEffect>
-                                  </p:childTnLst>
-                                </p:cTn>
-                              </p:par>
-                              <p:par>
-                                <p:cTn id="13" presetID="10" presetClass="entr" presetSubtype="0" fill="hold" nodeType="withEffect">
-                                  <p:stCondLst>
-                                    <p:cond delay="0"/>
-                                  </p:stCondLst>
-                                  <p:childTnLst>
-                                    <p:set>
-                                      <p:cBhvr>
-                                        <p:cTn id="14" dur="1" fill="hold">
-                                          <p:stCondLst>
-                                            <p:cond delay="0"/>
-                                          </p:stCondLst>
-                                        </p:cTn>
-                                        <p:tgtEl>
-                                          <p:spTgt spid="4"/>
-                                        </p:tgtEl>
-                                        <p:attrNameLst>
-                                          <p:attrName>style.visibility</p:attrName>
-                                        </p:attrNameLst>
-                                      </p:cBhvr>
-                                      <p:to>
-                                        <p:strVal val="visible"/>
-                                      </p:to>
-                                    </p:set>
-                                    <p:animEffect transition="in" filter="fade">
-                                      <p:cBhvr>
-                                        <p:cTn id="15" dur="500"/>
-                                        <p:tgtEl>
-                                          <p:spTgt spid="4"/>
-                                        </p:tgtEl>
-                                      </p:cBhvr>
-                                    </p:animEffect>
-                                  </p:childTnLst>
-                                </p:cTn>
-                              </p:par>
-                            </p:childTnLst>
-                          </p:cTn>
-                        </p:par>
-                      </p:childTnLst>
-                    </p:cTn>
-                  </p:par>
-                  <p:par>
-                    <p:cTn id="16" fill="hold">
-                      <p:stCondLst>
-                        <p:cond delay="indefinite"/>
-                      </p:stCondLst>
-                      <p:childTnLst>
-                        <p:par>
-                          <p:cTn id="17" fill="hold">
-                            <p:stCondLst>
-                              <p:cond delay="0"/>
-                            </p:stCondLst>
-                            <p:childTnLst>
-                              <p:par>
-                                <p:cTn id="18" presetID="10" presetClass="entr" presetSubtype="0" fill="hold" nodeType="clickEffect">
-                                  <p:stCondLst>
-                                    <p:cond delay="0"/>
-                                  </p:stCondLst>
-                                  <p:childTnLst>
-                                    <p:set>
-                                      <p:cBhvr>
-                                        <p:cTn id="19" dur="1" fill="hold">
-                                          <p:stCondLst>
-                                            <p:cond delay="0"/>
-                                          </p:stCondLst>
-                                        </p:cTn>
-                                        <p:tgtEl>
-                                          <p:spTgt spid="5"/>
-                                        </p:tgtEl>
-                                        <p:attrNameLst>
-                                          <p:attrName>style.visibility</p:attrName>
-                                        </p:attrNameLst>
-                                      </p:cBhvr>
-                                      <p:to>
-                                        <p:strVal val="visible"/>
-                                      </p:to>
-                                    </p:set>
-                                    <p:animEffect transition="in" filter="fade">
-                                      <p:cBhvr>
-                                        <p:cTn id="20" dur="500"/>
-                                        <p:tgtEl>
-                                          <p:spTgt spid="5"/>
-                                        </p:tgtEl>
-                                      </p:cBhvr>
-                                    </p:animEffect>
-                                  </p:childTnLst>
-                                </p:cTn>
-                              </p:par>
-                              <p:par>
-                                <p:cTn id="21" presetID="10" presetClass="entr" presetSubtype="0" fill="hold" nodeType="withEffect">
-                                  <p:stCondLst>
-                                    <p:cond delay="0"/>
-                                  </p:stCondLst>
-                                  <p:childTnLst>
-                                    <p:set>
-                                      <p:cBhvr>
-                                        <p:cTn id="22" dur="1" fill="hold">
-                                          <p:stCondLst>
-                                            <p:cond delay="0"/>
-                                          </p:stCondLst>
-                                        </p:cTn>
-                                        <p:tgtEl>
-                                          <p:spTgt spid="6"/>
-                                        </p:tgtEl>
-                                        <p:attrNameLst>
-                                          <p:attrName>style.visibility</p:attrName>
-                                        </p:attrNameLst>
-                                      </p:cBhvr>
-                                      <p:to>
-                                        <p:strVal val="visible"/>
-                                      </p:to>
-                                    </p:set>
-                                    <p:animEffect transition="in" filter="fade">
-                                      <p:cBhvr>
-                                        <p:cTn id="23" dur="500"/>
-                                        <p:tgtEl>
-                                          <p:spTgt spid="6"/>
-                                        </p:tgtEl>
-                                      </p:cBhvr>
-                                    </p:animEffect>
-                                  </p:childTnLst>
-                                </p:cTn>
-                              </p:par>
-                              <p:par>
-                                <p:cTn id="24" presetID="10" presetClass="entr" presetSubtype="0" fill="hold" grpId="0" nodeType="withEffect">
-                                  <p:stCondLst>
-                                    <p:cond delay="0"/>
-                                  </p:stCondLst>
-                                  <p:childTnLst>
-                                    <p:set>
-                                      <p:cBhvr>
-                                        <p:cTn id="25" dur="1" fill="hold">
-                                          <p:stCondLst>
-                                            <p:cond delay="0"/>
-                                          </p:stCondLst>
-                                        </p:cTn>
-                                        <p:tgtEl>
-                                          <p:spTgt spid="8"/>
-                                        </p:tgtEl>
-                                        <p:attrNameLst>
-                                          <p:attrName>style.visibility</p:attrName>
-                                        </p:attrNameLst>
-                                      </p:cBhvr>
-                                      <p:to>
-                                        <p:strVal val="visible"/>
-                                      </p:to>
-                                    </p:set>
-                                    <p:animEffect transition="in" filter="fade">
-                                      <p:cBhvr>
-                                        <p:cTn id="26" dur="500"/>
-                                        <p:tgtEl>
-                                          <p:spTgt spid="8"/>
-                                        </p:tgtEl>
-                                      </p:cBhvr>
-                                    </p:animEffect>
-                                  </p:childTnLst>
-                                </p:cTn>
-                              </p:par>
-                            </p:childTnLst>
-                          </p:cTn>
-                        </p:par>
-                      </p:childTnLst>
-                    </p:cTn>
-                  </p:par>
-                </p:childTnLst>
-              </p:cTn>
-              <p:prevCondLst>
-                <p:cond evt="onPrev" delay="0">
-                  <p:tgtEl>
-                    <p:sldTgt/>
-                  </p:tgtEl>
-                </p:cond>
-              </p:prevCondLst>
-              <p:nextCondLst>
-                <p:cond evt="onNext" delay="0">
-                  <p:tgtEl>
-                    <p:sldTgt/>
-                  </p:tgtEl>
-                </p:cond>
-              </p:nextCondLst>
-            </p:seq>
-          </p:childTnLst>
-        </p:cTn>
-      </p:par>
-    </p:tnLst>
-    <p:bldLst>
-      <p:bldP spid="3" grpId="0" build="p"/>
-      <p:bldP spid="8" grpId="0"/>
-    </p:bldLst>
-  </p:timing>
-</p:sld>
-</file>
-
-<file path=ppt/slides/slide12.xml><?xml version="1.0" encoding="utf-8"?>
-<p:sld xmlns:a="http://schemas.openxmlformats.org/drawingml/2006/main" xmlns:r="http://schemas.openxmlformats.org/officeDocument/2006/relationships" xmlns:p="http://schemas.openxmlformats.org/presentationml/2006/main">
-  <p:cSld>
-    <p:spTree>
-      <p:nvGrpSpPr>
-        <p:cNvPr id="1" name=""/>
-        <p:cNvGrpSpPr/>
-        <p:nvPr/>
-      </p:nvGrpSpPr>
-      <p:grpSpPr>
-        <a:xfrm>
-          <a:off x="0" y="0"/>
-          <a:ext cx="0" cy="0"/>
-          <a:chOff x="0" y="0"/>
-          <a:chExt cx="0" cy="0"/>
-        </a:xfrm>
-      </p:grpSpPr>
-      <p:sp>
-        <p:nvSpPr>
-          <p:cNvPr id="2" name="Title 1">
-            <a:extLst>
-              <a:ext uri="{FF2B5EF4-FFF2-40B4-BE49-F238E27FC236}">
-                <a16:creationId xmlns:a16="http://schemas.microsoft.com/office/drawing/2014/main" id="{B018E4EC-2A48-46C3-8136-439DBF798DCA}"/>
-              </a:ext>
-            </a:extLst>
-          </p:cNvPr>
-          <p:cNvSpPr>
-            <a:spLocks noGrp="1"/>
-          </p:cNvSpPr>
-          <p:nvPr>
-            <p:ph type="title"/>
-          </p:nvPr>
-        </p:nvSpPr>
-        <p:spPr/>
-        <p:txBody>
-          <a:bodyPr/>
-          <a:lstStyle/>
-          <a:p>
-            <a:r>
-              <a:rPr lang="en-IE" dirty="0"/>
-              <a:t>Getting Started (locally)</a:t>
-            </a:r>
-          </a:p>
-        </p:txBody>
-      </p:sp>
-      <p:sp>
-        <p:nvSpPr>
-          <p:cNvPr id="3" name="Content Placeholder 2">
-            <a:extLst>
-              <a:ext uri="{FF2B5EF4-FFF2-40B4-BE49-F238E27FC236}">
-                <a16:creationId xmlns:a16="http://schemas.microsoft.com/office/drawing/2014/main" id="{58A56317-3697-440D-91AF-F62CA7E4CDB2}"/>
-              </a:ext>
-            </a:extLst>
-          </p:cNvPr>
-          <p:cNvSpPr>
-            <a:spLocks noGrp="1"/>
-          </p:cNvSpPr>
-          <p:nvPr>
-            <p:ph idx="1"/>
-          </p:nvPr>
-        </p:nvSpPr>
-        <p:spPr/>
-        <p:txBody>
-          <a:bodyPr/>
-          <a:lstStyle/>
-          <a:p>
-            <a:r>
-              <a:rPr lang="en-IE" dirty="0"/>
-              <a:t>Install Mongo Compass, Graphical User Interface for managing MongoDB.</a:t>
-            </a:r>
-          </a:p>
-          <a:p>
-            <a:pPr lvl="1"/>
-            <a:r>
-              <a:rPr lang="en-IE" dirty="0"/>
-              <a:t>For windows, comes as part of </a:t>
-            </a:r>
-            <a:r>
-              <a:rPr lang="en-IE" dirty="0" err="1"/>
-              <a:t>mongodb</a:t>
-            </a:r>
-            <a:r>
-              <a:rPr lang="en-IE" dirty="0"/>
-              <a:t> install</a:t>
-            </a:r>
-          </a:p>
-          <a:p>
-            <a:pPr lvl="1"/>
-            <a:r>
-              <a:rPr lang="en-IE" dirty="0"/>
-              <a:t>Other platforms can get it </a:t>
-            </a:r>
-            <a:r>
-              <a:rPr lang="en-IE" dirty="0">
-                <a:hlinkClick r:id="rId2"/>
-              </a:rPr>
-              <a:t>here</a:t>
-            </a:r>
-            <a:r>
-              <a:rPr lang="en-IE" dirty="0"/>
-              <a:t>:</a:t>
-            </a:r>
-          </a:p>
-        </p:txBody>
-      </p:sp>
-      <p:pic>
-        <p:nvPicPr>
-          <p:cNvPr id="4" name="Picture 3">
-            <a:extLst>
-              <a:ext uri="{FF2B5EF4-FFF2-40B4-BE49-F238E27FC236}">
-                <a16:creationId xmlns:a16="http://schemas.microsoft.com/office/drawing/2014/main" id="{54EC5875-A3EE-479C-9863-2AB3D36FF596}"/>
-              </a:ext>
-            </a:extLst>
-          </p:cNvPr>
-          <p:cNvPicPr>
-            <a:picLocks noChangeAspect="1"/>
-          </p:cNvPicPr>
-          <p:nvPr/>
-        </p:nvPicPr>
-        <p:blipFill>
-          <a:blip r:embed="rId3"/>
-          <a:stretch>
-            <a:fillRect/>
-          </a:stretch>
-        </p:blipFill>
-        <p:spPr>
-          <a:xfrm>
-            <a:off x="2559844" y="3863181"/>
-            <a:ext cx="6043612" cy="2840030"/>
-          </a:xfrm>
-          <a:prstGeom prst="rect">
-            <a:avLst/>
-          </a:prstGeom>
-        </p:spPr>
-      </p:pic>
-    </p:spTree>
-    <p:extLst>
-      <p:ext uri="{BB962C8B-B14F-4D97-AF65-F5344CB8AC3E}">
-        <p14:creationId xmlns:p14="http://schemas.microsoft.com/office/powerpoint/2010/main" val="2130650925"/>
+        <p14:creationId xmlns:p14="http://schemas.microsoft.com/office/powerpoint/2010/main" val="3763300888"/>
       </p:ext>
     </p:extLst>
   </p:cSld>
@@ -5713,7 +5628,7 @@
 </p:sld>
 </file>
 
-<file path=ppt/slides/slide13.xml><?xml version="1.0" encoding="utf-8"?>
+<file path=ppt/slides/slide12.xml><?xml version="1.0" encoding="utf-8"?>
 <p:sld xmlns:a="http://schemas.openxmlformats.org/drawingml/2006/main" xmlns:r="http://schemas.openxmlformats.org/officeDocument/2006/relationships" xmlns:p="http://schemas.openxmlformats.org/presentationml/2006/main">
   <p:cSld>
     <p:bg>
@@ -6164,7 +6079,7 @@
 </p:sld>
 </file>
 
-<file path=ppt/slides/slide14.xml><?xml version="1.0" encoding="utf-8"?>
+<file path=ppt/slides/slide13.xml><?xml version="1.0" encoding="utf-8"?>
 <p:sld xmlns:a="http://schemas.openxmlformats.org/drawingml/2006/main" xmlns:r="http://schemas.openxmlformats.org/officeDocument/2006/relationships" xmlns:p="http://schemas.openxmlformats.org/presentationml/2006/main">
   <p:cSld>
     <p:bg>
@@ -6438,7 +6353,7 @@
 </p:sld>
 </file>
 
-<file path=ppt/slides/slide15.xml><?xml version="1.0" encoding="utf-8"?>
+<file path=ppt/slides/slide14.xml><?xml version="1.0" encoding="utf-8"?>
 <p:sld xmlns:a="http://schemas.openxmlformats.org/drawingml/2006/main" xmlns:r="http://schemas.openxmlformats.org/officeDocument/2006/relationships" xmlns:p="http://schemas.openxmlformats.org/presentationml/2006/main">
   <p:cSld>
     <p:bg>
@@ -7095,7 +7010,7 @@
 </p:sld>
 </file>
 
-<file path=ppt/slides/slide16.xml><?xml version="1.0" encoding="utf-8"?>
+<file path=ppt/slides/slide15.xml><?xml version="1.0" encoding="utf-8"?>
 <p:sld xmlns:a="http://schemas.openxmlformats.org/drawingml/2006/main" xmlns:r="http://schemas.openxmlformats.org/officeDocument/2006/relationships" xmlns:p="http://schemas.openxmlformats.org/presentationml/2006/main">
   <p:cSld>
     <p:spTree>
@@ -7260,36 +7175,6 @@
           <a:xfrm>
             <a:off x="1307329" y="3248731"/>
             <a:ext cx="5206299" cy="567604"/>
-          </a:xfrm>
-          <a:prstGeom prst="rect">
-            <a:avLst/>
-          </a:prstGeom>
-        </p:spPr>
-      </p:pic>
-      <p:pic>
-        <p:nvPicPr>
-          <p:cNvPr id="8" name="Picture 7">
-            <a:extLst>
-              <a:ext uri="{FF2B5EF4-FFF2-40B4-BE49-F238E27FC236}">
-                <a16:creationId xmlns:a16="http://schemas.microsoft.com/office/drawing/2014/main" id="{AB690011-3899-4588-B1E9-3D90231EC776}"/>
-              </a:ext>
-            </a:extLst>
-          </p:cNvPr>
-          <p:cNvPicPr>
-            <a:picLocks noChangeAspect="1"/>
-          </p:cNvPicPr>
-          <p:nvPr/>
-        </p:nvPicPr>
-        <p:blipFill>
-          <a:blip r:embed="rId4"/>
-          <a:stretch>
-            <a:fillRect/>
-          </a:stretch>
-        </p:blipFill>
-        <p:spPr>
-          <a:xfrm>
-            <a:off x="1248807" y="4502790"/>
-            <a:ext cx="4852480" cy="2204350"/>
           </a:xfrm>
           <a:prstGeom prst="rect">
             <a:avLst/>
@@ -7592,7 +7477,7 @@
 </p:sld>
 </file>
 
-<file path=ppt/slides/slide17.xml><?xml version="1.0" encoding="utf-8"?>
+<file path=ppt/slides/slide16.xml><?xml version="1.0" encoding="utf-8"?>
 <p:sld xmlns:a="http://schemas.openxmlformats.org/drawingml/2006/main" xmlns:r="http://schemas.openxmlformats.org/officeDocument/2006/relationships" xmlns:p="http://schemas.openxmlformats.org/presentationml/2006/main">
   <p:cSld>
     <p:spTree>
@@ -7746,7 +7631,7 @@
 </p:sld>
 </file>
 
-<file path=ppt/slides/slide18.xml><?xml version="1.0" encoding="utf-8"?>
+<file path=ppt/slides/slide17.xml><?xml version="1.0" encoding="utf-8"?>
 <p:sld xmlns:a="http://schemas.openxmlformats.org/drawingml/2006/main" xmlns:r="http://schemas.openxmlformats.org/officeDocument/2006/relationships" xmlns:p="http://schemas.openxmlformats.org/presentationml/2006/main">
   <p:cSld>
     <p:spTree>
@@ -7882,7 +7767,7 @@
 </p:sld>
 </file>
 
-<file path=ppt/slides/slide19.xml><?xml version="1.0" encoding="utf-8"?>
+<file path=ppt/slides/slide18.xml><?xml version="1.0" encoding="utf-8"?>
 <p:sld xmlns:a="http://schemas.openxmlformats.org/drawingml/2006/main" xmlns:r="http://schemas.openxmlformats.org/officeDocument/2006/relationships" xmlns:p="http://schemas.openxmlformats.org/presentationml/2006/main">
   <p:cSld>
     <p:bg>
@@ -8226,6 +8111,382 @@
   <p:clrMapOvr>
     <a:masterClrMapping/>
   </p:clrMapOvr>
+</p:sld>
+</file>
+
+<file path=ppt/slides/slide19.xml><?xml version="1.0" encoding="utf-8"?>
+<p:sld xmlns:a="http://schemas.openxmlformats.org/drawingml/2006/main" xmlns:r="http://schemas.openxmlformats.org/officeDocument/2006/relationships" xmlns:p="http://schemas.openxmlformats.org/presentationml/2006/main">
+  <p:cSld>
+    <p:spTree>
+      <p:nvGrpSpPr>
+        <p:cNvPr id="1" name=""/>
+        <p:cNvGrpSpPr/>
+        <p:nvPr/>
+      </p:nvGrpSpPr>
+      <p:grpSpPr>
+        <a:xfrm>
+          <a:off x="0" y="0"/>
+          <a:ext cx="0" cy="0"/>
+          <a:chOff x="0" y="0"/>
+          <a:chExt cx="0" cy="0"/>
+        </a:xfrm>
+      </p:grpSpPr>
+      <p:sp>
+        <p:nvSpPr>
+          <p:cNvPr id="2" name="Title 1"/>
+          <p:cNvSpPr>
+            <a:spLocks noGrp="1"/>
+          </p:cNvSpPr>
+          <p:nvPr>
+            <p:ph type="title"/>
+          </p:nvPr>
+        </p:nvSpPr>
+        <p:spPr/>
+        <p:txBody>
+          <a:bodyPr/>
+          <a:lstStyle/>
+          <a:p>
+            <a:r>
+              <a:rPr lang="en-IE"/>
+              <a:t>Mongoose Custom Validation</a:t>
+            </a:r>
+          </a:p>
+        </p:txBody>
+      </p:sp>
+      <p:sp>
+        <p:nvSpPr>
+          <p:cNvPr id="3" name="Content Placeholder 2"/>
+          <p:cNvSpPr>
+            <a:spLocks noGrp="1"/>
+          </p:cNvSpPr>
+          <p:nvPr>
+            <p:ph idx="1"/>
+          </p:nvPr>
+        </p:nvSpPr>
+        <p:spPr/>
+        <p:txBody>
+          <a:bodyPr/>
+          <a:lstStyle/>
+          <a:p>
+            <a:r>
+              <a:rPr lang="en-IE" dirty="0"/>
+              <a:t>Developers can define custom validation on their properties (e.g. validate email field is correct format) </a:t>
+            </a:r>
+          </a:p>
+        </p:txBody>
+      </p:sp>
+      <p:pic>
+        <p:nvPicPr>
+          <p:cNvPr id="5" name="Picture 4">
+            <a:extLst>
+              <a:ext uri="{FF2B5EF4-FFF2-40B4-BE49-F238E27FC236}">
+                <a16:creationId xmlns:a16="http://schemas.microsoft.com/office/drawing/2014/main" id="{4FF8CF14-6EF0-4FBA-BA62-FF370C3AE945}"/>
+              </a:ext>
+            </a:extLst>
+          </p:cNvPr>
+          <p:cNvPicPr>
+            <a:picLocks noChangeAspect="1"/>
+          </p:cNvPicPr>
+          <p:nvPr/>
+        </p:nvPicPr>
+        <p:blipFill>
+          <a:blip r:embed="rId3"/>
+          <a:stretch>
+            <a:fillRect/>
+          </a:stretch>
+        </p:blipFill>
+        <p:spPr>
+          <a:xfrm>
+            <a:off x="489404" y="3030539"/>
+            <a:ext cx="8020050" cy="3095625"/>
+          </a:xfrm>
+          <a:prstGeom prst="rect">
+            <a:avLst/>
+          </a:prstGeom>
+        </p:spPr>
+      </p:pic>
+      <p:sp>
+        <p:nvSpPr>
+          <p:cNvPr id="10" name="Callout: Line 9">
+            <a:extLst>
+              <a:ext uri="{FF2B5EF4-FFF2-40B4-BE49-F238E27FC236}">
+                <a16:creationId xmlns:a16="http://schemas.microsoft.com/office/drawing/2014/main" id="{A3E4EC81-E161-401C-8C03-6BF91EFC85BF}"/>
+              </a:ext>
+            </a:extLst>
+          </p:cNvPr>
+          <p:cNvSpPr/>
+          <p:nvPr/>
+        </p:nvSpPr>
+        <p:spPr>
+          <a:xfrm>
+            <a:off x="9122537" y="2344882"/>
+            <a:ext cx="2951017" cy="2168236"/>
+          </a:xfrm>
+          <a:prstGeom prst="borderCallout1">
+            <a:avLst>
+              <a:gd name="adj1" fmla="val 18750"/>
+              <a:gd name="adj2" fmla="val -8333"/>
+              <a:gd name="adj3" fmla="val 82324"/>
+              <a:gd name="adj4" fmla="val -173341"/>
+            </a:avLst>
+          </a:prstGeom>
+          <a:ln>
+            <a:solidFill>
+              <a:srgbClr val="FF0000"/>
+            </a:solidFill>
+          </a:ln>
+        </p:spPr>
+        <p:style>
+          <a:lnRef idx="2">
+            <a:schemeClr val="accent1">
+              <a:shade val="50000"/>
+            </a:schemeClr>
+          </a:lnRef>
+          <a:fillRef idx="1">
+            <a:schemeClr val="accent1"/>
+          </a:fillRef>
+          <a:effectRef idx="0">
+            <a:schemeClr val="accent1"/>
+          </a:effectRef>
+          <a:fontRef idx="minor">
+            <a:schemeClr val="lt1"/>
+          </a:fontRef>
+        </p:style>
+        <p:txBody>
+          <a:bodyPr rtlCol="0" anchor="ctr"/>
+          <a:lstStyle/>
+          <a:p>
+            <a:pPr algn="ctr"/>
+            <a:r>
+              <a:rPr lang="en-IE" dirty="0"/>
+              <a:t>Using Regular Expression (regex) to test for a valid email. If you’ve not come across them before check out </a:t>
+            </a:r>
+            <a:br>
+              <a:rPr lang="en-IE" dirty="0"/>
+            </a:br>
+            <a:r>
+              <a:rPr lang="en-IE" dirty="0"/>
+              <a:t>https://www.w3schools.com/jsref/jsref_obj_regexp.asp</a:t>
+            </a:r>
+          </a:p>
+        </p:txBody>
+      </p:sp>
+      <p:sp>
+        <p:nvSpPr>
+          <p:cNvPr id="8" name="Callout: Line 7">
+            <a:extLst>
+              <a:ext uri="{FF2B5EF4-FFF2-40B4-BE49-F238E27FC236}">
+                <a16:creationId xmlns:a16="http://schemas.microsoft.com/office/drawing/2014/main" id="{01385A2D-FC00-4944-935D-7CC09095BACD}"/>
+              </a:ext>
+            </a:extLst>
+          </p:cNvPr>
+          <p:cNvSpPr/>
+          <p:nvPr/>
+        </p:nvSpPr>
+        <p:spPr>
+          <a:xfrm>
+            <a:off x="9049384" y="4578351"/>
+            <a:ext cx="2951017" cy="2168236"/>
+          </a:xfrm>
+          <a:prstGeom prst="borderCallout1">
+            <a:avLst>
+              <a:gd name="adj1" fmla="val 18750"/>
+              <a:gd name="adj2" fmla="val -8333"/>
+              <a:gd name="adj3" fmla="val -17203"/>
+              <a:gd name="adj4" fmla="val -130209"/>
+            </a:avLst>
+          </a:prstGeom>
+          <a:ln>
+            <a:solidFill>
+              <a:srgbClr val="FF0000"/>
+            </a:solidFill>
+          </a:ln>
+        </p:spPr>
+        <p:style>
+          <a:lnRef idx="2">
+            <a:schemeClr val="accent1">
+              <a:shade val="50000"/>
+            </a:schemeClr>
+          </a:lnRef>
+          <a:fillRef idx="1">
+            <a:schemeClr val="accent1"/>
+          </a:fillRef>
+          <a:effectRef idx="0">
+            <a:schemeClr val="accent1"/>
+          </a:effectRef>
+          <a:fontRef idx="minor">
+            <a:schemeClr val="lt1"/>
+          </a:fontRef>
+        </p:style>
+        <p:txBody>
+          <a:bodyPr rtlCol="0" anchor="ctr"/>
+          <a:lstStyle/>
+          <a:p>
+            <a:pPr algn="ctr"/>
+            <a:r>
+              <a:rPr lang="en-IE" dirty="0"/>
+              <a:t>HOWEVER WE ARE USING JOI FOR THIS….</a:t>
+            </a:r>
+            <a:br>
+              <a:rPr lang="en-IE" dirty="0"/>
+            </a:br>
+            <a:r>
+              <a:rPr lang="en-IE" dirty="0"/>
+              <a:t>(Make it independent of data layer)</a:t>
+            </a:r>
+          </a:p>
+        </p:txBody>
+      </p:sp>
+    </p:spTree>
+    <p:extLst>
+      <p:ext uri="{BB962C8B-B14F-4D97-AF65-F5344CB8AC3E}">
+        <p14:creationId xmlns:p14="http://schemas.microsoft.com/office/powerpoint/2010/main" val="1159799202"/>
+      </p:ext>
+    </p:extLst>
+  </p:cSld>
+  <p:clrMapOvr>
+    <a:masterClrMapping/>
+  </p:clrMapOvr>
+  <p:timing>
+    <p:tnLst>
+      <p:par>
+        <p:cTn id="1" dur="indefinite" restart="never" nodeType="tmRoot">
+          <p:childTnLst>
+            <p:seq concurrent="1" nextAc="seek">
+              <p:cTn id="2" dur="indefinite" nodeType="mainSeq">
+                <p:childTnLst>
+                  <p:par>
+                    <p:cTn id="3" fill="hold">
+                      <p:stCondLst>
+                        <p:cond delay="indefinite"/>
+                      </p:stCondLst>
+                      <p:childTnLst>
+                        <p:par>
+                          <p:cTn id="4" fill="hold">
+                            <p:stCondLst>
+                              <p:cond delay="0"/>
+                            </p:stCondLst>
+                            <p:childTnLst>
+                              <p:par>
+                                <p:cTn id="5" presetID="10" presetClass="entr" presetSubtype="0" fill="hold" grpId="0" nodeType="clickEffect">
+                                  <p:stCondLst>
+                                    <p:cond delay="0"/>
+                                  </p:stCondLst>
+                                  <p:childTnLst>
+                                    <p:set>
+                                      <p:cBhvr>
+                                        <p:cTn id="6" dur="1" fill="hold">
+                                          <p:stCondLst>
+                                            <p:cond delay="0"/>
+                                          </p:stCondLst>
+                                        </p:cTn>
+                                        <p:tgtEl>
+                                          <p:spTgt spid="10"/>
+                                        </p:tgtEl>
+                                        <p:attrNameLst>
+                                          <p:attrName>style.visibility</p:attrName>
+                                        </p:attrNameLst>
+                                      </p:cBhvr>
+                                      <p:to>
+                                        <p:strVal val="visible"/>
+                                      </p:to>
+                                    </p:set>
+                                    <p:animEffect transition="in" filter="fade">
+                                      <p:cBhvr>
+                                        <p:cTn id="7" dur="500"/>
+                                        <p:tgtEl>
+                                          <p:spTgt spid="10"/>
+                                        </p:tgtEl>
+                                      </p:cBhvr>
+                                    </p:animEffect>
+                                  </p:childTnLst>
+                                </p:cTn>
+                              </p:par>
+                            </p:childTnLst>
+                          </p:cTn>
+                        </p:par>
+                      </p:childTnLst>
+                    </p:cTn>
+                  </p:par>
+                  <p:par>
+                    <p:cTn id="8" fill="hold">
+                      <p:stCondLst>
+                        <p:cond delay="indefinite"/>
+                      </p:stCondLst>
+                      <p:childTnLst>
+                        <p:par>
+                          <p:cTn id="9" fill="hold">
+                            <p:stCondLst>
+                              <p:cond delay="0"/>
+                            </p:stCondLst>
+                            <p:childTnLst>
+                              <p:par>
+                                <p:cTn id="10" presetID="10" presetClass="entr" presetSubtype="0" fill="hold" grpId="0" nodeType="clickEffect">
+                                  <p:stCondLst>
+                                    <p:cond delay="0"/>
+                                  </p:stCondLst>
+                                  <p:childTnLst>
+                                    <p:set>
+                                      <p:cBhvr>
+                                        <p:cTn id="11" dur="1" fill="hold">
+                                          <p:stCondLst>
+                                            <p:cond delay="0"/>
+                                          </p:stCondLst>
+                                        </p:cTn>
+                                        <p:tgtEl>
+                                          <p:spTgt spid="8"/>
+                                        </p:tgtEl>
+                                        <p:attrNameLst>
+                                          <p:attrName>style.visibility</p:attrName>
+                                        </p:attrNameLst>
+                                      </p:cBhvr>
+                                      <p:to>
+                                        <p:strVal val="visible"/>
+                                      </p:to>
+                                    </p:set>
+                                    <p:animEffect transition="in" filter="fade">
+                                      <p:cBhvr>
+                                        <p:cTn id="12" dur="500"/>
+                                        <p:tgtEl>
+                                          <p:spTgt spid="8"/>
+                                        </p:tgtEl>
+                                      </p:cBhvr>
+                                    </p:animEffect>
+                                  </p:childTnLst>
+                                </p:cTn>
+                              </p:par>
+                            </p:childTnLst>
+                          </p:cTn>
+                        </p:par>
+                      </p:childTnLst>
+                    </p:cTn>
+                  </p:par>
+                </p:childTnLst>
+              </p:cTn>
+              <p:prevCondLst>
+                <p:cond evt="onPrev" delay="0">
+                  <p:tgtEl>
+                    <p:sldTgt/>
+                  </p:tgtEl>
+                </p:cond>
+              </p:prevCondLst>
+              <p:nextCondLst>
+                <p:cond evt="onNext" delay="0">
+                  <p:tgtEl>
+                    <p:sldTgt/>
+                  </p:tgtEl>
+                </p:cond>
+              </p:nextCondLst>
+            </p:seq>
+          </p:childTnLst>
+        </p:cTn>
+      </p:par>
+    </p:tnLst>
+    <p:bldLst>
+      <p:bldP spid="10" grpId="0" animBg="1"/>
+      <p:bldP spid="8" grpId="0" animBg="1"/>
+    </p:bldLst>
+  </p:timing>
 </p:sld>
 </file>
 
@@ -8679,382 +8940,6 @@
 </file>
 
 <file path=ppt/slides/slide20.xml><?xml version="1.0" encoding="utf-8"?>
-<p:sld xmlns:a="http://schemas.openxmlformats.org/drawingml/2006/main" xmlns:r="http://schemas.openxmlformats.org/officeDocument/2006/relationships" xmlns:p="http://schemas.openxmlformats.org/presentationml/2006/main">
-  <p:cSld>
-    <p:spTree>
-      <p:nvGrpSpPr>
-        <p:cNvPr id="1" name=""/>
-        <p:cNvGrpSpPr/>
-        <p:nvPr/>
-      </p:nvGrpSpPr>
-      <p:grpSpPr>
-        <a:xfrm>
-          <a:off x="0" y="0"/>
-          <a:ext cx="0" cy="0"/>
-          <a:chOff x="0" y="0"/>
-          <a:chExt cx="0" cy="0"/>
-        </a:xfrm>
-      </p:grpSpPr>
-      <p:sp>
-        <p:nvSpPr>
-          <p:cNvPr id="2" name="Title 1"/>
-          <p:cNvSpPr>
-            <a:spLocks noGrp="1"/>
-          </p:cNvSpPr>
-          <p:nvPr>
-            <p:ph type="title"/>
-          </p:nvPr>
-        </p:nvSpPr>
-        <p:spPr/>
-        <p:txBody>
-          <a:bodyPr/>
-          <a:lstStyle/>
-          <a:p>
-            <a:r>
-              <a:rPr lang="en-IE"/>
-              <a:t>Mongoose Custom Validation</a:t>
-            </a:r>
-          </a:p>
-        </p:txBody>
-      </p:sp>
-      <p:sp>
-        <p:nvSpPr>
-          <p:cNvPr id="3" name="Content Placeholder 2"/>
-          <p:cNvSpPr>
-            <a:spLocks noGrp="1"/>
-          </p:cNvSpPr>
-          <p:nvPr>
-            <p:ph idx="1"/>
-          </p:nvPr>
-        </p:nvSpPr>
-        <p:spPr/>
-        <p:txBody>
-          <a:bodyPr/>
-          <a:lstStyle/>
-          <a:p>
-            <a:r>
-              <a:rPr lang="en-IE" dirty="0"/>
-              <a:t>Developers can define custom validation on their properties (e.g. validate email field is correct format) </a:t>
-            </a:r>
-          </a:p>
-        </p:txBody>
-      </p:sp>
-      <p:pic>
-        <p:nvPicPr>
-          <p:cNvPr id="5" name="Picture 4">
-            <a:extLst>
-              <a:ext uri="{FF2B5EF4-FFF2-40B4-BE49-F238E27FC236}">
-                <a16:creationId xmlns:a16="http://schemas.microsoft.com/office/drawing/2014/main" id="{4FF8CF14-6EF0-4FBA-BA62-FF370C3AE945}"/>
-              </a:ext>
-            </a:extLst>
-          </p:cNvPr>
-          <p:cNvPicPr>
-            <a:picLocks noChangeAspect="1"/>
-          </p:cNvPicPr>
-          <p:nvPr/>
-        </p:nvPicPr>
-        <p:blipFill>
-          <a:blip r:embed="rId3"/>
-          <a:stretch>
-            <a:fillRect/>
-          </a:stretch>
-        </p:blipFill>
-        <p:spPr>
-          <a:xfrm>
-            <a:off x="489404" y="3030539"/>
-            <a:ext cx="8020050" cy="3095625"/>
-          </a:xfrm>
-          <a:prstGeom prst="rect">
-            <a:avLst/>
-          </a:prstGeom>
-        </p:spPr>
-      </p:pic>
-      <p:sp>
-        <p:nvSpPr>
-          <p:cNvPr id="10" name="Callout: Line 9">
-            <a:extLst>
-              <a:ext uri="{FF2B5EF4-FFF2-40B4-BE49-F238E27FC236}">
-                <a16:creationId xmlns:a16="http://schemas.microsoft.com/office/drawing/2014/main" id="{A3E4EC81-E161-401C-8C03-6BF91EFC85BF}"/>
-              </a:ext>
-            </a:extLst>
-          </p:cNvPr>
-          <p:cNvSpPr/>
-          <p:nvPr/>
-        </p:nvSpPr>
-        <p:spPr>
-          <a:xfrm>
-            <a:off x="9122537" y="2344882"/>
-            <a:ext cx="2951017" cy="2168236"/>
-          </a:xfrm>
-          <a:prstGeom prst="borderCallout1">
-            <a:avLst>
-              <a:gd name="adj1" fmla="val 18750"/>
-              <a:gd name="adj2" fmla="val -8333"/>
-              <a:gd name="adj3" fmla="val 82324"/>
-              <a:gd name="adj4" fmla="val -173341"/>
-            </a:avLst>
-          </a:prstGeom>
-          <a:ln>
-            <a:solidFill>
-              <a:srgbClr val="FF0000"/>
-            </a:solidFill>
-          </a:ln>
-        </p:spPr>
-        <p:style>
-          <a:lnRef idx="2">
-            <a:schemeClr val="accent1">
-              <a:shade val="50000"/>
-            </a:schemeClr>
-          </a:lnRef>
-          <a:fillRef idx="1">
-            <a:schemeClr val="accent1"/>
-          </a:fillRef>
-          <a:effectRef idx="0">
-            <a:schemeClr val="accent1"/>
-          </a:effectRef>
-          <a:fontRef idx="minor">
-            <a:schemeClr val="lt1"/>
-          </a:fontRef>
-        </p:style>
-        <p:txBody>
-          <a:bodyPr rtlCol="0" anchor="ctr"/>
-          <a:lstStyle/>
-          <a:p>
-            <a:pPr algn="ctr"/>
-            <a:r>
-              <a:rPr lang="en-IE" dirty="0"/>
-              <a:t>Using Regular Expression (regex) to test for a valid email. If you’ve not come across them before check out </a:t>
-            </a:r>
-            <a:br>
-              <a:rPr lang="en-IE" dirty="0"/>
-            </a:br>
-            <a:r>
-              <a:rPr lang="en-IE" dirty="0"/>
-              <a:t>https://www.w3schools.com/jsref/jsref_obj_regexp.asp</a:t>
-            </a:r>
-          </a:p>
-        </p:txBody>
-      </p:sp>
-      <p:sp>
-        <p:nvSpPr>
-          <p:cNvPr id="8" name="Callout: Line 7">
-            <a:extLst>
-              <a:ext uri="{FF2B5EF4-FFF2-40B4-BE49-F238E27FC236}">
-                <a16:creationId xmlns:a16="http://schemas.microsoft.com/office/drawing/2014/main" id="{01385A2D-FC00-4944-935D-7CC09095BACD}"/>
-              </a:ext>
-            </a:extLst>
-          </p:cNvPr>
-          <p:cNvSpPr/>
-          <p:nvPr/>
-        </p:nvSpPr>
-        <p:spPr>
-          <a:xfrm>
-            <a:off x="9049384" y="4578351"/>
-            <a:ext cx="2951017" cy="2168236"/>
-          </a:xfrm>
-          <a:prstGeom prst="borderCallout1">
-            <a:avLst>
-              <a:gd name="adj1" fmla="val 18750"/>
-              <a:gd name="adj2" fmla="val -8333"/>
-              <a:gd name="adj3" fmla="val -17203"/>
-              <a:gd name="adj4" fmla="val -130209"/>
-            </a:avLst>
-          </a:prstGeom>
-          <a:ln>
-            <a:solidFill>
-              <a:srgbClr val="FF0000"/>
-            </a:solidFill>
-          </a:ln>
-        </p:spPr>
-        <p:style>
-          <a:lnRef idx="2">
-            <a:schemeClr val="accent1">
-              <a:shade val="50000"/>
-            </a:schemeClr>
-          </a:lnRef>
-          <a:fillRef idx="1">
-            <a:schemeClr val="accent1"/>
-          </a:fillRef>
-          <a:effectRef idx="0">
-            <a:schemeClr val="accent1"/>
-          </a:effectRef>
-          <a:fontRef idx="minor">
-            <a:schemeClr val="lt1"/>
-          </a:fontRef>
-        </p:style>
-        <p:txBody>
-          <a:bodyPr rtlCol="0" anchor="ctr"/>
-          <a:lstStyle/>
-          <a:p>
-            <a:pPr algn="ctr"/>
-            <a:r>
-              <a:rPr lang="en-IE" dirty="0"/>
-              <a:t>HOWEVER WE ARE USING JOI FOR THIS….</a:t>
-            </a:r>
-            <a:br>
-              <a:rPr lang="en-IE" dirty="0"/>
-            </a:br>
-            <a:r>
-              <a:rPr lang="en-IE" dirty="0"/>
-              <a:t>(Make it independent of data layer)</a:t>
-            </a:r>
-          </a:p>
-        </p:txBody>
-      </p:sp>
-    </p:spTree>
-    <p:extLst>
-      <p:ext uri="{BB962C8B-B14F-4D97-AF65-F5344CB8AC3E}">
-        <p14:creationId xmlns:p14="http://schemas.microsoft.com/office/powerpoint/2010/main" val="1159799202"/>
-      </p:ext>
-    </p:extLst>
-  </p:cSld>
-  <p:clrMapOvr>
-    <a:masterClrMapping/>
-  </p:clrMapOvr>
-  <p:timing>
-    <p:tnLst>
-      <p:par>
-        <p:cTn id="1" dur="indefinite" restart="never" nodeType="tmRoot">
-          <p:childTnLst>
-            <p:seq concurrent="1" nextAc="seek">
-              <p:cTn id="2" dur="indefinite" nodeType="mainSeq">
-                <p:childTnLst>
-                  <p:par>
-                    <p:cTn id="3" fill="hold">
-                      <p:stCondLst>
-                        <p:cond delay="indefinite"/>
-                      </p:stCondLst>
-                      <p:childTnLst>
-                        <p:par>
-                          <p:cTn id="4" fill="hold">
-                            <p:stCondLst>
-                              <p:cond delay="0"/>
-                            </p:stCondLst>
-                            <p:childTnLst>
-                              <p:par>
-                                <p:cTn id="5" presetID="10" presetClass="entr" presetSubtype="0" fill="hold" grpId="0" nodeType="clickEffect">
-                                  <p:stCondLst>
-                                    <p:cond delay="0"/>
-                                  </p:stCondLst>
-                                  <p:childTnLst>
-                                    <p:set>
-                                      <p:cBhvr>
-                                        <p:cTn id="6" dur="1" fill="hold">
-                                          <p:stCondLst>
-                                            <p:cond delay="0"/>
-                                          </p:stCondLst>
-                                        </p:cTn>
-                                        <p:tgtEl>
-                                          <p:spTgt spid="10"/>
-                                        </p:tgtEl>
-                                        <p:attrNameLst>
-                                          <p:attrName>style.visibility</p:attrName>
-                                        </p:attrNameLst>
-                                      </p:cBhvr>
-                                      <p:to>
-                                        <p:strVal val="visible"/>
-                                      </p:to>
-                                    </p:set>
-                                    <p:animEffect transition="in" filter="fade">
-                                      <p:cBhvr>
-                                        <p:cTn id="7" dur="500"/>
-                                        <p:tgtEl>
-                                          <p:spTgt spid="10"/>
-                                        </p:tgtEl>
-                                      </p:cBhvr>
-                                    </p:animEffect>
-                                  </p:childTnLst>
-                                </p:cTn>
-                              </p:par>
-                            </p:childTnLst>
-                          </p:cTn>
-                        </p:par>
-                      </p:childTnLst>
-                    </p:cTn>
-                  </p:par>
-                  <p:par>
-                    <p:cTn id="8" fill="hold">
-                      <p:stCondLst>
-                        <p:cond delay="indefinite"/>
-                      </p:stCondLst>
-                      <p:childTnLst>
-                        <p:par>
-                          <p:cTn id="9" fill="hold">
-                            <p:stCondLst>
-                              <p:cond delay="0"/>
-                            </p:stCondLst>
-                            <p:childTnLst>
-                              <p:par>
-                                <p:cTn id="10" presetID="10" presetClass="entr" presetSubtype="0" fill="hold" grpId="0" nodeType="clickEffect">
-                                  <p:stCondLst>
-                                    <p:cond delay="0"/>
-                                  </p:stCondLst>
-                                  <p:childTnLst>
-                                    <p:set>
-                                      <p:cBhvr>
-                                        <p:cTn id="11" dur="1" fill="hold">
-                                          <p:stCondLst>
-                                            <p:cond delay="0"/>
-                                          </p:stCondLst>
-                                        </p:cTn>
-                                        <p:tgtEl>
-                                          <p:spTgt spid="8"/>
-                                        </p:tgtEl>
-                                        <p:attrNameLst>
-                                          <p:attrName>style.visibility</p:attrName>
-                                        </p:attrNameLst>
-                                      </p:cBhvr>
-                                      <p:to>
-                                        <p:strVal val="visible"/>
-                                      </p:to>
-                                    </p:set>
-                                    <p:animEffect transition="in" filter="fade">
-                                      <p:cBhvr>
-                                        <p:cTn id="12" dur="500"/>
-                                        <p:tgtEl>
-                                          <p:spTgt spid="8"/>
-                                        </p:tgtEl>
-                                      </p:cBhvr>
-                                    </p:animEffect>
-                                  </p:childTnLst>
-                                </p:cTn>
-                              </p:par>
-                            </p:childTnLst>
-                          </p:cTn>
-                        </p:par>
-                      </p:childTnLst>
-                    </p:cTn>
-                  </p:par>
-                </p:childTnLst>
-              </p:cTn>
-              <p:prevCondLst>
-                <p:cond evt="onPrev" delay="0">
-                  <p:tgtEl>
-                    <p:sldTgt/>
-                  </p:tgtEl>
-                </p:cond>
-              </p:prevCondLst>
-              <p:nextCondLst>
-                <p:cond evt="onNext" delay="0">
-                  <p:tgtEl>
-                    <p:sldTgt/>
-                  </p:tgtEl>
-                </p:cond>
-              </p:nextCondLst>
-            </p:seq>
-          </p:childTnLst>
-        </p:cTn>
-      </p:par>
-    </p:tnLst>
-    <p:bldLst>
-      <p:bldP spid="10" grpId="0" animBg="1"/>
-      <p:bldP spid="8" grpId="0" animBg="1"/>
-    </p:bldLst>
-  </p:timing>
-</p:sld>
-</file>
-
-<file path=ppt/slides/slide21.xml><?xml version="1.0" encoding="utf-8"?>
 <p:sld xmlns:a="http://schemas.openxmlformats.org/drawingml/2006/main" xmlns:r="http://schemas.openxmlformats.org/officeDocument/2006/relationships" xmlns:p="http://schemas.openxmlformats.org/presentationml/2006/main">
   <p:cSld>
     <p:spTree>
@@ -9650,7 +9535,7 @@
 </p:sld>
 </file>
 
-<file path=ppt/slides/slide22.xml><?xml version="1.0" encoding="utf-8"?>
+<file path=ppt/slides/slide21.xml><?xml version="1.0" encoding="utf-8"?>
 <p:sld xmlns:a="http://schemas.openxmlformats.org/drawingml/2006/main" xmlns:r="http://schemas.openxmlformats.org/officeDocument/2006/relationships" xmlns:p="http://schemas.openxmlformats.org/presentationml/2006/main">
   <p:cSld>
     <p:spTree>
@@ -9767,8 +9652,8 @@
             <a:chExt cx="2061360" cy="1210680"/>
           </a:xfrm>
         </p:grpSpPr>
-        <mc:AlternateContent xmlns:mc="http://schemas.openxmlformats.org/markup-compatibility/2006">
-          <mc:Choice xmlns:p14="http://schemas.microsoft.com/office/powerpoint/2010/main" Requires="p14">
+        <mc:AlternateContent xmlns:mc="http://schemas.openxmlformats.org/markup-compatibility/2006" xmlns:p14="http://schemas.microsoft.com/office/powerpoint/2010/main">
+          <mc:Choice Requires="p14">
             <p:contentPart p14:bwMode="auto" r:id="rId3">
               <p14:nvContentPartPr>
                 <p14:cNvPr id="5" name="Ink 4">
@@ -9787,7 +9672,7 @@
               </p14:xfrm>
             </p:contentPart>
           </mc:Choice>
-          <mc:Fallback>
+          <mc:Fallback xmlns="">
             <p:pic>
               <p:nvPicPr>
                 <p:cNvPr id="5" name="Ink 4">
@@ -9818,8 +9703,8 @@
             </p:pic>
           </mc:Fallback>
         </mc:AlternateContent>
-        <mc:AlternateContent xmlns:mc="http://schemas.openxmlformats.org/markup-compatibility/2006">
-          <mc:Choice xmlns:p14="http://schemas.microsoft.com/office/powerpoint/2010/main" Requires="p14">
+        <mc:AlternateContent xmlns:mc="http://schemas.openxmlformats.org/markup-compatibility/2006" xmlns:p14="http://schemas.microsoft.com/office/powerpoint/2010/main">
+          <mc:Choice Requires="p14">
             <p:contentPart p14:bwMode="auto" r:id="rId5">
               <p14:nvContentPartPr>
                 <p14:cNvPr id="8" name="Ink 7">
@@ -9838,7 +9723,7 @@
               </p14:xfrm>
             </p:contentPart>
           </mc:Choice>
-          <mc:Fallback>
+          <mc:Fallback xmlns="">
             <p:pic>
               <p:nvPicPr>
                 <p:cNvPr id="8" name="Ink 7">
@@ -9883,7 +9768,7 @@
 </p:sld>
 </file>
 
-<file path=ppt/slides/slide23.xml><?xml version="1.0" encoding="utf-8"?>
+<file path=ppt/slides/slide22.xml><?xml version="1.0" encoding="utf-8"?>
 <p:sld xmlns:a="http://schemas.openxmlformats.org/drawingml/2006/main" xmlns:r="http://schemas.openxmlformats.org/officeDocument/2006/relationships" xmlns:p="http://schemas.openxmlformats.org/presentationml/2006/main">
   <p:cSld>
     <p:spTree>
@@ -9977,8 +9862,8 @@
           </a:prstGeom>
         </p:spPr>
       </p:pic>
-      <mc:AlternateContent xmlns:mc="http://schemas.openxmlformats.org/markup-compatibility/2006">
-        <mc:Choice xmlns:p14="http://schemas.microsoft.com/office/powerpoint/2010/main" Requires="p14">
+      <mc:AlternateContent xmlns:mc="http://schemas.openxmlformats.org/markup-compatibility/2006" xmlns:p14="http://schemas.microsoft.com/office/powerpoint/2010/main">
+        <mc:Choice Requires="p14">
           <p:contentPart p14:bwMode="auto" r:id="rId3">
             <p14:nvContentPartPr>
               <p14:cNvPr id="8" name="Ink 7">
@@ -9997,7 +9882,7 @@
             </p14:xfrm>
           </p:contentPart>
         </mc:Choice>
-        <mc:Fallback>
+        <mc:Fallback xmlns="">
           <p:pic>
             <p:nvPicPr>
               <p:cNvPr id="8" name="Ink 7">
@@ -10041,7 +9926,7 @@
 </p:sld>
 </file>
 
-<file path=ppt/slides/slide24.xml><?xml version="1.0" encoding="utf-8"?>
+<file path=ppt/slides/slide23.xml><?xml version="1.0" encoding="utf-8"?>
 <p:sld xmlns:a="http://schemas.openxmlformats.org/drawingml/2006/main" xmlns:r="http://schemas.openxmlformats.org/officeDocument/2006/relationships" xmlns:p="http://schemas.openxmlformats.org/presentationml/2006/main">
   <p:cSld>
     <p:spTree>
@@ -10234,7 +10119,7 @@
 </p:sld>
 </file>
 
-<file path=ppt/slides/slide25.xml><?xml version="1.0" encoding="utf-8"?>
+<file path=ppt/slides/slide24.xml><?xml version="1.0" encoding="utf-8"?>
 <p:sld xmlns:a="http://schemas.openxmlformats.org/drawingml/2006/main" xmlns:r="http://schemas.openxmlformats.org/officeDocument/2006/relationships" xmlns:p="http://schemas.openxmlformats.org/presentationml/2006/main">
   <p:cSld>
     <p:spTree>
